--- a/fall11/slidesF11/slides3f.pptx
+++ b/fall11/slidesF11/slides3f.pptx
@@ -29,7 +29,7 @@
     <p:sldId id="358" r:id="rId17"/>
     <p:sldId id="359" r:id="rId18"/>
     <p:sldId id="347" r:id="rId19"/>
-    <p:sldId id="346" r:id="rId20"/>
+    <p:sldId id="362" r:id="rId20"/>
     <p:sldId id="349" r:id="rId21"/>
     <p:sldId id="360" r:id="rId22"/>
     <p:sldId id="361" r:id="rId23"/>
@@ -4059,24 +4059,7 @@
                 <a:ea typeface="+mj-ea"/>
                 <a:cs typeface="Comic Sans MS"/>
               </a:rPr>
-              <a:t> </a:t>
-            </a:r>
-            <a:r>
-              <a:rPr kumimoji="0" lang="en-US" sz="6600" b="0" i="0" u="none" strike="noStrike" kern="0" cap="none" spc="0" normalizeH="0" noProof="0" dirty="0" smtClean="0">
-                <a:ln>
-                  <a:noFill/>
-                </a:ln>
-                <a:solidFill>
-                  <a:schemeClr val="tx2"/>
-                </a:solidFill>
-                <a:effectLst/>
-                <a:uLnTx/>
-                <a:uFillTx/>
-                <a:latin typeface="Comic Sans MS" pitchFamily="66" charset="0"/>
-                <a:ea typeface="+mj-ea"/>
-                <a:cs typeface="Comic Sans MS"/>
-              </a:rPr>
-              <a:t>size of sets)</a:t>
+              <a:t> size of sets)</a:t>
             </a:r>
             <a:endParaRPr kumimoji="0" lang="en-US" sz="6600" b="0" i="0" u="none" strike="noStrike" kern="0" cap="none" spc="0" normalizeH="0" baseline="0" noProof="0" dirty="0" smtClean="0">
               <a:ln>
@@ -7341,13 +7324,22 @@
           <a:lstStyle/>
           <a:p>
             <a:r>
+              <a:rPr lang="en-US" sz="4800" dirty="0">
+                <a:solidFill>
+                  <a:srgbClr val="0000FF"/>
+                </a:solidFill>
+                <a:latin typeface="Comic Sans MS"/>
+              </a:rPr>
+              <a:t>|</a:t>
+            </a:r>
+            <a:r>
               <a:rPr lang="en-US" sz="4800" dirty="0" smtClean="0">
                 <a:solidFill>
                   <a:srgbClr val="0000FF"/>
                 </a:solidFill>
                 <a:latin typeface="Comic Sans MS"/>
               </a:rPr>
-              <a:t>(A   </a:t>
+              <a:t>A| </a:t>
             </a:r>
             <a:r>
               <a:rPr lang="en-US" sz="4800" dirty="0" smtClean="0">
@@ -7366,7 +7358,7 @@
                 </a:solidFill>
                 <a:latin typeface="Comic Sans MS"/>
               </a:rPr>
-              <a:t>   B   </a:t>
+              <a:t>|B|</a:t>
             </a:r>
             <a:r>
               <a:rPr lang="en-US" sz="4800" dirty="0" smtClean="0">
@@ -7376,7 +7368,7 @@
                 <a:latin typeface="Symbol" charset="2"/>
                 <a:cs typeface="Symbol" charset="2"/>
               </a:rPr>
-              <a:t>=     </a:t>
+              <a:t>=  </a:t>
             </a:r>
             <a:r>
               <a:rPr lang="en-US" sz="4800" dirty="0" smtClean="0">
@@ -7385,43 +7377,7 @@
                 </a:solidFill>
                 <a:latin typeface="Comic Sans MS"/>
               </a:rPr>
-              <a:t>C </a:t>
-            </a:r>
-            <a:r>
-              <a:rPr lang="en-US" dirty="0" smtClean="0">
-                <a:solidFill>
-                  <a:schemeClr val="tx2"/>
-                </a:solidFill>
-                <a:latin typeface="Comic Sans MS"/>
-              </a:rPr>
-              <a:t> </a:t>
-            </a:r>
-            <a:r>
-              <a:rPr lang="en-US" sz="3600" dirty="0" smtClean="0">
-                <a:solidFill>
-                  <a:schemeClr val="tx2"/>
-                </a:solidFill>
-                <a:latin typeface="Comic Sans MS"/>
-              </a:rPr>
-              <a:t>IMPLIES</a:t>
-            </a:r>
-            <a:r>
-              <a:rPr lang="en-US" sz="5400" dirty="0" smtClean="0">
-                <a:solidFill>
-                  <a:schemeClr val="tx2"/>
-                </a:solidFill>
-                <a:latin typeface="Comic Sans MS"/>
-              </a:rPr>
-              <a:t> </a:t>
-            </a:r>
-            <a:r>
-              <a:rPr lang="en-US" sz="4800" dirty="0" smtClean="0">
-                <a:solidFill>
-                  <a:srgbClr val="0000FF"/>
-                </a:solidFill>
-                <a:latin typeface="Comic Sans MS"/>
-              </a:rPr>
-              <a:t>A  </a:t>
+              <a:t>|</a:t>
             </a:r>
             <a:r>
               <a:rPr lang="en-US" sz="4800" dirty="0" smtClean="0">
@@ -7431,6 +7387,70 @@
                 <a:latin typeface="Symbol" charset="2"/>
                 <a:cs typeface="Symbol" charset="2"/>
               </a:rPr>
+              <a:t> </a:t>
+            </a:r>
+            <a:r>
+              <a:rPr lang="en-US" sz="4800" dirty="0">
+                <a:solidFill>
+                  <a:srgbClr val="0000FF"/>
+                </a:solidFill>
+                <a:latin typeface="Comic Sans MS"/>
+              </a:rPr>
+              <a:t>C| </a:t>
+            </a:r>
+            <a:r>
+              <a:rPr lang="en-US" dirty="0" smtClean="0">
+                <a:solidFill>
+                  <a:schemeClr val="tx2"/>
+                </a:solidFill>
+                <a:latin typeface="Comic Sans MS"/>
+              </a:rPr>
+              <a:t> </a:t>
+            </a:r>
+            <a:r>
+              <a:rPr lang="en-US" sz="3600" dirty="0" smtClean="0">
+                <a:solidFill>
+                  <a:schemeClr val="tx2"/>
+                </a:solidFill>
+                <a:latin typeface="Comic Sans MS"/>
+              </a:rPr>
+              <a:t>IMPLIES</a:t>
+            </a:r>
+            <a:r>
+              <a:rPr lang="en-US" sz="5400" dirty="0" smtClean="0">
+                <a:solidFill>
+                  <a:schemeClr val="tx2"/>
+                </a:solidFill>
+                <a:latin typeface="Comic Sans MS"/>
+              </a:rPr>
+              <a:t> </a:t>
+            </a:r>
+            <a:r>
+              <a:rPr lang="en-US" sz="4800" dirty="0">
+                <a:solidFill>
+                  <a:srgbClr val="0000FF"/>
+                </a:solidFill>
+                <a:latin typeface="Comic Sans MS"/>
+              </a:rPr>
+              <a:t>|</a:t>
+            </a:r>
+            <a:r>
+              <a:rPr lang="en-US" sz="4800" dirty="0" smtClean="0">
+                <a:solidFill>
+                  <a:srgbClr val="0000FF"/>
+                </a:solidFill>
+                <a:latin typeface="Comic Sans MS"/>
+              </a:rPr>
+              <a:t>A|</a:t>
+            </a:r>
+            <a:r>
+              <a:rPr lang="en-US" sz="4800" dirty="0" smtClean="0">
+                <a:solidFill>
+                  <a:srgbClr val="0000FF"/>
+                </a:solidFill>
+                <a:latin typeface="Symbol" charset="2"/>
+                <a:cs typeface="Symbol" charset="2"/>
+              </a:rPr>
               <a:t>=</a:t>
             </a:r>
             <a:r>
@@ -7440,8 +7460,23 @@
                 </a:solidFill>
                 <a:latin typeface="Comic Sans MS"/>
               </a:rPr>
-              <a:t>  C)</a:t>
-            </a:r>
+              <a:t>|C</a:t>
+            </a:r>
+            <a:r>
+              <a:rPr lang="en-US" sz="4800" dirty="0">
+                <a:solidFill>
+                  <a:srgbClr val="0000FF"/>
+                </a:solidFill>
+                <a:latin typeface="Comic Sans MS"/>
+              </a:rPr>
+              <a:t>|</a:t>
+            </a:r>
+            <a:endParaRPr lang="en-US" sz="4800" dirty="0" smtClean="0">
+              <a:solidFill>
+                <a:srgbClr val="0000FF"/>
+              </a:solidFill>
+              <a:latin typeface="Comic Sans MS"/>
+            </a:endParaRPr>
           </a:p>
         </p:txBody>
       </p:sp>
@@ -7455,7 +7490,243 @@
         </p:nvSpPr>
         <p:spPr bwMode="auto">
           <a:xfrm>
-            <a:off x="0" y="2009494"/>
+            <a:off x="229432" y="2009494"/>
+            <a:ext cx="8513084" cy="1095861"/>
+          </a:xfrm>
+          <a:prstGeom prst="rect">
+            <a:avLst/>
+          </a:prstGeom>
+          <a:noFill/>
+          <a:ln w="9525">
+            <a:noFill/>
+            <a:miter lim="800000"/>
+            <a:headEnd/>
+            <a:tailEnd/>
+          </a:ln>
+          <a:effectLst/>
+        </p:spPr>
+        <p:txBody>
+          <a:bodyPr vert="horz" wrap="square" lIns="91440" tIns="45720" rIns="91440" bIns="45720" numCol="1" anchor="t" anchorCtr="0" compatLnSpc="1">
+            <a:prstTxWarp prst="textNoShape">
+              <a:avLst/>
+            </a:prstTxWarp>
+          </a:bodyPr>
+          <a:lstStyle/>
+          <a:p>
+            <a:pPr marL="342900" marR="0" lvl="0" indent="-342900" algn="l" defTabSz="914400" rtl="0" eaLnBrk="1" fontAlgn="base" latinLnBrk="0" hangingPunct="1">
+              <a:lnSpc>
+                <a:spcPct val="100000"/>
+              </a:lnSpc>
+              <a:spcBef>
+                <a:spcPct val="20000"/>
+              </a:spcBef>
+              <a:spcAft>
+                <a:spcPct val="0"/>
+              </a:spcAft>
+              <a:buClrTx/>
+              <a:buSzTx/>
+              <a:buFontTx/>
+              <a:buNone/>
+              <a:tabLst/>
+              <a:defRPr/>
+            </a:pPr>
+            <a:r>
+              <a:rPr kumimoji="0" lang="en-US" sz="4800" b="0" i="0" u="none" strike="noStrike" kern="0" cap="none" spc="0" normalizeH="0" baseline="0" noProof="0" dirty="0" smtClean="0">
+                <a:ln>
+                  <a:noFill/>
+                </a:ln>
+                <a:solidFill>
+                  <a:srgbClr val="0000FF"/>
+                </a:solidFill>
+                <a:effectLst/>
+                <a:uLnTx/>
+                <a:uFillTx/>
+                <a:latin typeface="Comic Sans MS"/>
+                <a:ea typeface="+mn-ea"/>
+                <a:cs typeface="Comic Sans MS"/>
+              </a:rPr>
+              <a:t>A </a:t>
+            </a:r>
+            <a:r>
+              <a:rPr lang="en-US" sz="4800" kern="0" dirty="0" smtClean="0">
+                <a:solidFill>
+                  <a:srgbClr val="0000FF"/>
+                </a:solidFill>
+                <a:latin typeface="Comic Sans MS"/>
+                <a:cs typeface="Comic Sans MS"/>
+              </a:rPr>
+              <a:t>bi</a:t>
+            </a:r>
+            <a:r>
+              <a:rPr kumimoji="0" lang="en-US" sz="4800" b="0" i="0" u="none" strike="noStrike" kern="0" cap="none" spc="0" normalizeH="0" baseline="0" noProof="0" dirty="0" smtClean="0">
+                <a:ln>
+                  <a:noFill/>
+                </a:ln>
+                <a:solidFill>
+                  <a:srgbClr val="0000FF"/>
+                </a:solidFill>
+                <a:effectLst/>
+                <a:uLnTx/>
+                <a:uFillTx/>
+                <a:latin typeface="Comic Sans MS"/>
+                <a:ea typeface="+mn-ea"/>
+                <a:cs typeface="Comic Sans MS"/>
+              </a:rPr>
+              <a:t>j B </a:t>
+            </a:r>
+            <a:r>
+              <a:rPr lang="en-US" sz="4800" kern="0" dirty="0" smtClean="0">
+                <a:solidFill>
+                  <a:srgbClr val="0000FF"/>
+                </a:solidFill>
+                <a:latin typeface="Comic Sans MS"/>
+                <a:cs typeface="Comic Sans MS"/>
+              </a:rPr>
+              <a:t>bi</a:t>
+            </a:r>
+            <a:r>
+              <a:rPr kumimoji="0" lang="en-US" sz="4800" b="0" i="0" u="none" strike="noStrike" kern="0" cap="none" spc="0" normalizeH="0" baseline="0" noProof="0" dirty="0" smtClean="0">
+                <a:ln>
+                  <a:noFill/>
+                </a:ln>
+                <a:solidFill>
+                  <a:srgbClr val="0000FF"/>
+                </a:solidFill>
+                <a:effectLst/>
+                <a:uLnTx/>
+                <a:uFillTx/>
+                <a:latin typeface="Comic Sans MS"/>
+                <a:ea typeface="+mn-ea"/>
+                <a:cs typeface="Comic Sans MS"/>
+              </a:rPr>
+              <a:t>j C</a:t>
+            </a:r>
+            <a:r>
+              <a:rPr kumimoji="0" lang="en-US" sz="4000" b="0" i="0" u="none" strike="noStrike" kern="0" cap="none" spc="0" normalizeH="0" baseline="0" noProof="0" dirty="0" smtClean="0">
+                <a:ln>
+                  <a:noFill/>
+                </a:ln>
+                <a:solidFill>
+                  <a:schemeClr val="tx2"/>
+                </a:solidFill>
+                <a:effectLst/>
+                <a:uLnTx/>
+                <a:uFillTx/>
+                <a:latin typeface="Comic Sans MS"/>
+                <a:ea typeface="+mn-ea"/>
+                <a:cs typeface="Comic Sans MS"/>
+              </a:rPr>
+              <a:t>   </a:t>
+            </a:r>
+            <a:r>
+              <a:rPr kumimoji="0" lang="en-US" sz="3600" b="0" i="0" u="none" strike="noStrike" kern="0" cap="none" spc="0" normalizeH="0" baseline="0" noProof="0" dirty="0" smtClean="0">
+                <a:ln>
+                  <a:noFill/>
+                </a:ln>
+                <a:solidFill>
+                  <a:schemeClr val="tx2"/>
+                </a:solidFill>
+                <a:effectLst/>
+                <a:uLnTx/>
+                <a:uFillTx/>
+                <a:latin typeface="Comic Sans MS"/>
+                <a:ea typeface="+mn-ea"/>
+                <a:cs typeface="Comic Sans MS"/>
+              </a:rPr>
+              <a:t>IMPLIES</a:t>
+            </a:r>
+            <a:r>
+              <a:rPr kumimoji="0" lang="en-US" sz="5400" b="0" i="0" u="none" strike="noStrike" kern="0" cap="none" spc="0" normalizeH="0" baseline="0" noProof="0" dirty="0" smtClean="0">
+                <a:ln>
+                  <a:noFill/>
+                </a:ln>
+                <a:solidFill>
+                  <a:schemeClr val="tx2"/>
+                </a:solidFill>
+                <a:effectLst/>
+                <a:uLnTx/>
+                <a:uFillTx/>
+                <a:latin typeface="Comic Sans MS"/>
+                <a:ea typeface="+mn-ea"/>
+                <a:cs typeface="Comic Sans MS"/>
+              </a:rPr>
+              <a:t> </a:t>
+            </a:r>
+            <a:r>
+              <a:rPr kumimoji="0" lang="en-US" sz="4800" b="0" i="0" u="none" strike="noStrike" kern="0" cap="none" spc="0" normalizeH="0" baseline="0" noProof="0" dirty="0" smtClean="0">
+                <a:ln>
+                  <a:noFill/>
+                </a:ln>
+                <a:solidFill>
+                  <a:srgbClr val="0000FF"/>
+                </a:solidFill>
+                <a:effectLst/>
+                <a:uLnTx/>
+                <a:uFillTx/>
+                <a:latin typeface="Comic Sans MS"/>
+                <a:ea typeface="+mn-ea"/>
+                <a:cs typeface="Comic Sans MS"/>
+              </a:rPr>
+              <a:t>A </a:t>
+            </a:r>
+            <a:r>
+              <a:rPr lang="en-US" sz="4800" kern="0" dirty="0" smtClean="0">
+                <a:solidFill>
+                  <a:srgbClr val="0000FF"/>
+                </a:solidFill>
+                <a:latin typeface="Comic Sans MS"/>
+                <a:cs typeface="Comic Sans MS"/>
+              </a:rPr>
+              <a:t>bi</a:t>
+            </a:r>
+            <a:r>
+              <a:rPr kumimoji="0" lang="en-US" sz="4800" b="0" i="0" u="none" strike="noStrike" kern="0" cap="none" spc="0" normalizeH="0" baseline="0" noProof="0" dirty="0" err="1" smtClean="0">
+                <a:ln>
+                  <a:noFill/>
+                </a:ln>
+                <a:solidFill>
+                  <a:srgbClr val="0000FF"/>
+                </a:solidFill>
+                <a:effectLst/>
+                <a:uLnTx/>
+                <a:uFillTx/>
+                <a:latin typeface="Comic Sans MS"/>
+                <a:ea typeface="+mn-ea"/>
+                <a:cs typeface="Comic Sans MS"/>
+              </a:rPr>
+              <a:t>j</a:t>
+            </a:r>
+            <a:r>
+              <a:rPr kumimoji="0" lang="en-US" sz="4800" b="0" i="0" u="none" strike="noStrike" kern="0" cap="none" spc="0" normalizeH="0" baseline="0" noProof="0" dirty="0" smtClean="0">
+                <a:ln>
+                  <a:noFill/>
+                </a:ln>
+                <a:solidFill>
+                  <a:srgbClr val="0000FF"/>
+                </a:solidFill>
+                <a:effectLst/>
+                <a:uLnTx/>
+                <a:uFillTx/>
+                <a:latin typeface="Comic Sans MS"/>
+                <a:ea typeface="+mn-ea"/>
+                <a:cs typeface="Comic Sans MS"/>
+              </a:rPr>
+              <a:t> C</a:t>
+            </a:r>
+          </a:p>
+        </p:txBody>
+      </p:sp>
+      <p:sp>
+        <p:nvSpPr>
+          <p:cNvPr id="7" name="Content Placeholder 3"/>
+          <p:cNvSpPr txBox="1">
+            <a:spLocks/>
+          </p:cNvSpPr>
+          <p:nvPr/>
+        </p:nvSpPr>
+        <p:spPr bwMode="auto">
+          <a:xfrm>
+            <a:off x="0" y="3764480"/>
             <a:ext cx="9144000" cy="1169691"/>
           </a:xfrm>
           <a:prstGeom prst="rect">
@@ -7510,17 +7781,7 @@
                 <a:ea typeface="+mn-ea"/>
                 <a:cs typeface="Comic Sans MS"/>
               </a:rPr>
-              <a:t>A  </a:t>
-            </a:r>
-            <a:r>
-              <a:rPr lang="en-US" sz="4800" kern="0" dirty="0" smtClean="0">
-                <a:solidFill>
-                  <a:srgbClr val="0000FF"/>
-                </a:solidFill>
-                <a:latin typeface="Comic Sans MS"/>
-                <a:cs typeface="Comic Sans MS"/>
-              </a:rPr>
-              <a:t>bi</a:t>
+              <a:t>A </a:t>
             </a:r>
             <a:r>
               <a:rPr kumimoji="0" lang="en-US" sz="4800" b="0" i="0" u="none" strike="noStrike" kern="0" cap="none" spc="0" normalizeH="0" baseline="0" noProof="0" dirty="0" err="1" smtClean="0">
@@ -7537,7 +7798,7 @@
                 <a:ea typeface="+mn-ea"/>
                 <a:cs typeface="Comic Sans MS"/>
               </a:rPr>
-              <a:t>j</a:t>
+              <a:t>surj</a:t>
             </a:r>
             <a:r>
               <a:rPr kumimoji="0" lang="en-US" sz="4800" b="0" i="0" u="none" strike="noStrike" kern="0" cap="none" spc="0" normalizeH="0" baseline="0" noProof="0" dirty="0" smtClean="0">
@@ -7554,17 +7815,7 @@
                 <a:ea typeface="+mn-ea"/>
                 <a:cs typeface="Comic Sans MS"/>
               </a:rPr>
-              <a:t>  B  </a:t>
-            </a:r>
-            <a:r>
-              <a:rPr lang="en-US" sz="4800" kern="0" dirty="0" smtClean="0">
-                <a:solidFill>
-                  <a:srgbClr val="0000FF"/>
-                </a:solidFill>
-                <a:latin typeface="Comic Sans MS"/>
-                <a:cs typeface="Comic Sans MS"/>
-              </a:rPr>
-              <a:t>bi</a:t>
+              <a:t> B </a:t>
             </a:r>
             <a:r>
               <a:rPr kumimoji="0" lang="en-US" sz="4800" b="0" i="0" u="none" strike="noStrike" kern="0" cap="none" spc="0" normalizeH="0" baseline="0" noProof="0" dirty="0" err="1" smtClean="0">
@@ -7581,7 +7832,7 @@
                 <a:ea typeface="+mn-ea"/>
                 <a:cs typeface="Comic Sans MS"/>
               </a:rPr>
-              <a:t>j</a:t>
+              <a:t>surj</a:t>
             </a:r>
             <a:r>
               <a:rPr kumimoji="0" lang="en-US" sz="4800" b="0" i="0" u="none" strike="noStrike" kern="0" cap="none" spc="0" normalizeH="0" baseline="0" noProof="0" dirty="0" smtClean="0">
@@ -7615,7 +7866,7 @@
                 <a:ea typeface="+mn-ea"/>
                 <a:cs typeface="Comic Sans MS"/>
               </a:rPr>
-              <a:t>  </a:t>
+              <a:t> </a:t>
             </a:r>
             <a:r>
               <a:rPr kumimoji="0" lang="en-US" sz="3600" b="0" i="0" u="none" strike="noStrike" kern="0" cap="none" spc="0" normalizeH="0" baseline="0" noProof="0" dirty="0" smtClean="0">
@@ -7669,16 +7920,6 @@
               <a:t>A </a:t>
             </a:r>
             <a:r>
-              <a:rPr lang="en-US" sz="4800" kern="0" dirty="0" smtClean="0">
-                <a:solidFill>
-                  <a:srgbClr val="0000FF"/>
-                </a:solidFill>
-                <a:latin typeface="Comic Sans MS"/>
-                <a:cs typeface="Comic Sans MS"/>
-              </a:rPr>
-              <a:t>bi</a:t>
-            </a:r>
-            <a:r>
               <a:rPr kumimoji="0" lang="en-US" sz="4800" b="0" i="0" u="none" strike="noStrike" kern="0" cap="none" spc="0" normalizeH="0" baseline="0" noProof="0" dirty="0" err="1" smtClean="0">
                 <a:ln>
                   <a:noFill/>
@@ -7693,7 +7934,7 @@
                 <a:ea typeface="+mn-ea"/>
                 <a:cs typeface="Comic Sans MS"/>
               </a:rPr>
-              <a:t>j</a:t>
+              <a:t>surj</a:t>
             </a:r>
             <a:r>
               <a:rPr kumimoji="0" lang="en-US" sz="4800" b="0" i="0" u="none" strike="noStrike" kern="0" cap="none" spc="0" normalizeH="0" baseline="0" noProof="0" dirty="0" smtClean="0">
@@ -7717,7 +7958,7 @@
       </p:sp>
       <p:sp>
         <p:nvSpPr>
-          <p:cNvPr id="7" name="Content Placeholder 3"/>
+          <p:cNvPr id="9" name="Content Placeholder 3"/>
           <p:cNvSpPr txBox="1">
             <a:spLocks/>
           </p:cNvSpPr>
@@ -7725,8 +7966,8 @@
         </p:nvSpPr>
         <p:spPr bwMode="auto">
           <a:xfrm>
-            <a:off x="0" y="3543242"/>
-            <a:ext cx="9144000" cy="1169691"/>
+            <a:off x="0" y="3017348"/>
+            <a:ext cx="8980129" cy="1194148"/>
           </a:xfrm>
           <a:prstGeom prst="rect">
             <a:avLst/>
@@ -7748,450 +7989,143 @@
           </a:bodyPr>
           <a:lstStyle/>
           <a:p>
-            <a:pPr marL="342900" marR="0" lvl="0" indent="-342900" algn="l" defTabSz="914400" rtl="0" eaLnBrk="1" fontAlgn="base" latinLnBrk="0" hangingPunct="1">
-              <a:lnSpc>
-                <a:spcPct val="100000"/>
-              </a:lnSpc>
-              <a:spcBef>
-                <a:spcPct val="20000"/>
-              </a:spcBef>
-              <a:spcAft>
-                <a:spcPct val="0"/>
-              </a:spcAft>
-              <a:buClrTx/>
-              <a:buSzTx/>
-              <a:buFontTx/>
-              <a:buNone/>
-              <a:tabLst/>
-              <a:defRPr/>
-            </a:pPr>
-            <a:r>
-              <a:rPr kumimoji="0" lang="en-US" sz="4800" b="0" i="0" u="none" strike="noStrike" kern="0" cap="none" spc="0" normalizeH="0" baseline="0" noProof="0" dirty="0" smtClean="0">
-                <a:ln>
-                  <a:noFill/>
-                </a:ln>
-                <a:solidFill>
-                  <a:srgbClr val="0000FF"/>
-                </a:solidFill>
-                <a:effectLst/>
-                <a:uLnTx/>
-                <a:uFillTx/>
+            <a:r>
+              <a:rPr lang="en-US" sz="4800" dirty="0" smtClean="0">
+                <a:solidFill>
+                  <a:srgbClr val="0000FF"/>
+                </a:solidFill>
                 <a:latin typeface="Comic Sans MS"/>
-                <a:ea typeface="+mn-ea"/>
-                <a:cs typeface="Comic Sans MS"/>
-              </a:rPr>
-              <a:t>A </a:t>
-            </a:r>
-            <a:r>
-              <a:rPr kumimoji="0" lang="en-US" sz="4800" b="0" i="0" u="none" strike="noStrike" kern="0" cap="none" spc="0" normalizeH="0" baseline="0" noProof="0" dirty="0" err="1" smtClean="0">
-                <a:ln>
-                  <a:noFill/>
-                </a:ln>
-                <a:solidFill>
-                  <a:srgbClr val="0000FF"/>
-                </a:solidFill>
-                <a:effectLst/>
-                <a:uLnTx/>
-                <a:uFillTx/>
+              </a:rPr>
+              <a:t>|A| </a:t>
+            </a:r>
+            <a:r>
+              <a:rPr lang="en-US" sz="4800" dirty="0" smtClean="0">
+                <a:solidFill>
+                  <a:srgbClr val="0000FF"/>
+                </a:solidFill>
+                <a:latin typeface="Symbol" charset="2"/>
+                <a:cs typeface="Symbol" charset="2"/>
+              </a:rPr>
+              <a:t>≤ </a:t>
+            </a:r>
+            <a:r>
+              <a:rPr lang="en-US" sz="4800" dirty="0" smtClean="0">
+                <a:solidFill>
+                  <a:srgbClr val="0000FF"/>
+                </a:solidFill>
                 <a:latin typeface="Comic Sans MS"/>
-                <a:ea typeface="+mn-ea"/>
-                <a:cs typeface="Comic Sans MS"/>
-              </a:rPr>
-              <a:t>surj</a:t>
-            </a:r>
-            <a:r>
-              <a:rPr kumimoji="0" lang="en-US" sz="4800" b="0" i="0" u="none" strike="noStrike" kern="0" cap="none" spc="0" normalizeH="0" baseline="0" noProof="0" dirty="0" smtClean="0">
-                <a:ln>
-                  <a:noFill/>
-                </a:ln>
-                <a:solidFill>
-                  <a:srgbClr val="0000FF"/>
-                </a:solidFill>
-                <a:effectLst/>
-                <a:uLnTx/>
-                <a:uFillTx/>
+              </a:rPr>
+              <a:t>|B|</a:t>
+            </a:r>
+            <a:r>
+              <a:rPr lang="en-US" sz="4800" dirty="0">
+                <a:solidFill>
+                  <a:srgbClr val="0000FF"/>
+                </a:solidFill>
+                <a:latin typeface="Symbol" charset="2"/>
+                <a:cs typeface="Symbol" charset="2"/>
+              </a:rPr>
+              <a:t>≤</a:t>
+            </a:r>
+            <a:r>
+              <a:rPr lang="en-US" sz="4800" dirty="0" smtClean="0">
+                <a:solidFill>
+                  <a:srgbClr val="0000FF"/>
+                </a:solidFill>
+                <a:latin typeface="Symbol" charset="2"/>
+                <a:cs typeface="Symbol" charset="2"/>
+              </a:rPr>
+              <a:t>  </a:t>
+            </a:r>
+            <a:r>
+              <a:rPr lang="en-US" sz="4800" dirty="0" smtClean="0">
+                <a:solidFill>
+                  <a:srgbClr val="0000FF"/>
+                </a:solidFill>
                 <a:latin typeface="Comic Sans MS"/>
-                <a:ea typeface="+mn-ea"/>
-                <a:cs typeface="Comic Sans MS"/>
-              </a:rPr>
-              <a:t> B </a:t>
-            </a:r>
-            <a:r>
-              <a:rPr kumimoji="0" lang="en-US" sz="4800" b="0" i="0" u="none" strike="noStrike" kern="0" cap="none" spc="0" normalizeH="0" baseline="0" noProof="0" dirty="0" err="1" smtClean="0">
-                <a:ln>
-                  <a:noFill/>
-                </a:ln>
-                <a:solidFill>
-                  <a:srgbClr val="0000FF"/>
-                </a:solidFill>
-                <a:effectLst/>
-                <a:uLnTx/>
-                <a:uFillTx/>
+              </a:rPr>
+              <a:t>|</a:t>
+            </a:r>
+            <a:r>
+              <a:rPr lang="en-US" sz="4800" dirty="0" smtClean="0">
+                <a:solidFill>
+                  <a:srgbClr val="0000FF"/>
+                </a:solidFill>
+                <a:latin typeface="Symbol" charset="2"/>
+                <a:cs typeface="Symbol" charset="2"/>
+              </a:rPr>
+              <a:t> </a:t>
+            </a:r>
+            <a:r>
+              <a:rPr lang="en-US" sz="4800" dirty="0" smtClean="0">
+                <a:solidFill>
+                  <a:srgbClr val="0000FF"/>
+                </a:solidFill>
                 <a:latin typeface="Comic Sans MS"/>
-                <a:ea typeface="+mn-ea"/>
-                <a:cs typeface="Comic Sans MS"/>
-              </a:rPr>
-              <a:t>surj</a:t>
-            </a:r>
-            <a:r>
-              <a:rPr kumimoji="0" lang="en-US" sz="4800" b="0" i="0" u="none" strike="noStrike" kern="0" cap="none" spc="0" normalizeH="0" baseline="0" noProof="0" dirty="0" smtClean="0">
-                <a:ln>
-                  <a:noFill/>
-                </a:ln>
-                <a:solidFill>
-                  <a:srgbClr val="0000FF"/>
-                </a:solidFill>
-                <a:effectLst/>
-                <a:uLnTx/>
-                <a:uFillTx/>
+              </a:rPr>
+              <a:t>C| </a:t>
+            </a:r>
+            <a:r>
+              <a:rPr lang="en-US" sz="4800" dirty="0" smtClean="0">
+                <a:solidFill>
+                  <a:schemeClr val="tx2"/>
+                </a:solidFill>
                 <a:latin typeface="Comic Sans MS"/>
-                <a:ea typeface="+mn-ea"/>
-                <a:cs typeface="Comic Sans MS"/>
-              </a:rPr>
-              <a:t> C</a:t>
-            </a:r>
-            <a:r>
-              <a:rPr kumimoji="0" lang="en-US" sz="4000" b="0" i="0" u="none" strike="noStrike" kern="0" cap="none" spc="0" normalizeH="0" baseline="0" noProof="0" dirty="0" smtClean="0">
-                <a:ln>
-                  <a:noFill/>
-                </a:ln>
+              </a:rPr>
+              <a:t> </a:t>
+            </a:r>
+            <a:r>
+              <a:rPr lang="en-US" sz="3600" dirty="0" smtClean="0">
                 <a:solidFill>
                   <a:schemeClr val="tx2"/>
                 </a:solidFill>
-                <a:effectLst/>
-                <a:uLnTx/>
-                <a:uFillTx/>
                 <a:latin typeface="Comic Sans MS"/>
-                <a:ea typeface="+mn-ea"/>
-                <a:cs typeface="Comic Sans MS"/>
+              </a:rPr>
+              <a:t>IMPLIES</a:t>
+            </a:r>
+            <a:r>
+              <a:rPr lang="en-US" sz="5400" dirty="0" smtClean="0">
+                <a:solidFill>
+                  <a:schemeClr val="tx2"/>
+                </a:solidFill>
+                <a:latin typeface="Comic Sans MS"/>
               </a:rPr>
               <a:t> </a:t>
             </a:r>
             <a:r>
-              <a:rPr kumimoji="0" lang="en-US" sz="3600" b="0" i="0" u="none" strike="noStrike" kern="0" cap="none" spc="0" normalizeH="0" baseline="0" noProof="0" dirty="0" smtClean="0">
-                <a:ln>
-                  <a:noFill/>
-                </a:ln>
-                <a:solidFill>
-                  <a:schemeClr val="tx2"/>
-                </a:solidFill>
-                <a:effectLst/>
-                <a:uLnTx/>
-                <a:uFillTx/>
+              <a:rPr lang="en-US" sz="4800" dirty="0" smtClean="0">
+                <a:solidFill>
+                  <a:srgbClr val="0000FF"/>
+                </a:solidFill>
                 <a:latin typeface="Comic Sans MS"/>
-                <a:ea typeface="+mn-ea"/>
-                <a:cs typeface="Comic Sans MS"/>
-              </a:rPr>
-              <a:t>IMPLIES</a:t>
-            </a:r>
-            <a:r>
-              <a:rPr kumimoji="0" lang="en-US" sz="5400" b="0" i="0" u="none" strike="noStrike" kern="0" cap="none" spc="0" normalizeH="0" baseline="0" noProof="0" dirty="0" smtClean="0">
-                <a:ln>
-                  <a:noFill/>
-                </a:ln>
-                <a:solidFill>
-                  <a:schemeClr val="tx2"/>
-                </a:solidFill>
-                <a:effectLst/>
-                <a:uLnTx/>
-                <a:uFillTx/>
+              </a:rPr>
+              <a:t>|A|</a:t>
+            </a:r>
+            <a:r>
+              <a:rPr lang="en-US" sz="4800" dirty="0">
+                <a:solidFill>
+                  <a:srgbClr val="0000FF"/>
+                </a:solidFill>
+                <a:latin typeface="Symbol" charset="2"/>
+                <a:cs typeface="Symbol" charset="2"/>
+              </a:rPr>
+              <a:t>≤</a:t>
+            </a:r>
+            <a:r>
+              <a:rPr lang="en-US" sz="4800" dirty="0" smtClean="0">
+                <a:solidFill>
+                  <a:srgbClr val="0000FF"/>
+                </a:solidFill>
                 <a:latin typeface="Comic Sans MS"/>
-                <a:ea typeface="+mn-ea"/>
-                <a:cs typeface="Comic Sans MS"/>
-              </a:rPr>
-              <a:t> </a:t>
-            </a:r>
-            <a:r>
-              <a:rPr kumimoji="0" lang="en-US" sz="4800" b="0" i="0" u="none" strike="noStrike" kern="0" cap="none" spc="0" normalizeH="0" baseline="0" noProof="0" dirty="0" smtClean="0">
-                <a:ln>
-                  <a:noFill/>
-                </a:ln>
-                <a:solidFill>
-                  <a:srgbClr val="0000FF"/>
-                </a:solidFill>
-                <a:effectLst/>
-                <a:uLnTx/>
-                <a:uFillTx/>
-                <a:latin typeface="Comic Sans MS"/>
-                <a:ea typeface="+mn-ea"/>
-                <a:cs typeface="Comic Sans MS"/>
-              </a:rPr>
-              <a:t>A </a:t>
-            </a:r>
-            <a:r>
-              <a:rPr kumimoji="0" lang="en-US" sz="4800" b="0" i="0" u="none" strike="noStrike" kern="0" cap="none" spc="0" normalizeH="0" baseline="0" noProof="0" dirty="0" err="1" smtClean="0">
-                <a:ln>
-                  <a:noFill/>
-                </a:ln>
-                <a:solidFill>
-                  <a:srgbClr val="0000FF"/>
-                </a:solidFill>
-                <a:effectLst/>
-                <a:uLnTx/>
-                <a:uFillTx/>
-                <a:latin typeface="Comic Sans MS"/>
-                <a:ea typeface="+mn-ea"/>
-                <a:cs typeface="Comic Sans MS"/>
-              </a:rPr>
-              <a:t>surj</a:t>
-            </a:r>
-            <a:r>
-              <a:rPr kumimoji="0" lang="en-US" sz="4800" b="0" i="0" u="none" strike="noStrike" kern="0" cap="none" spc="0" normalizeH="0" baseline="0" noProof="0" dirty="0" smtClean="0">
-                <a:ln>
-                  <a:noFill/>
-                </a:ln>
-                <a:solidFill>
-                  <a:srgbClr val="0000FF"/>
-                </a:solidFill>
-                <a:effectLst/>
-                <a:uLnTx/>
-                <a:uFillTx/>
-                <a:latin typeface="Comic Sans MS"/>
-                <a:ea typeface="+mn-ea"/>
-                <a:cs typeface="Comic Sans MS"/>
-              </a:rPr>
-              <a:t> C</a:t>
-            </a:r>
-          </a:p>
-        </p:txBody>
-      </p:sp>
-      <p:sp>
-        <p:nvSpPr>
-          <p:cNvPr id="9" name="Content Placeholder 3"/>
-          <p:cNvSpPr txBox="1">
-            <a:spLocks/>
-          </p:cNvSpPr>
-          <p:nvPr/>
-        </p:nvSpPr>
-        <p:spPr bwMode="auto">
-          <a:xfrm>
-            <a:off x="0" y="2796110"/>
-            <a:ext cx="9144000" cy="1169691"/>
-          </a:xfrm>
-          <a:prstGeom prst="rect">
-            <a:avLst/>
-          </a:prstGeom>
-          <a:noFill/>
-          <a:ln w="9525">
-            <a:noFill/>
-            <a:miter lim="800000"/>
-            <a:headEnd/>
-            <a:tailEnd/>
-          </a:ln>
-          <a:effectLst/>
-        </p:spPr>
-        <p:txBody>
-          <a:bodyPr vert="horz" wrap="square" lIns="91440" tIns="45720" rIns="91440" bIns="45720" numCol="1" anchor="t" anchorCtr="0" compatLnSpc="1">
-            <a:prstTxWarp prst="textNoShape">
-              <a:avLst/>
-            </a:prstTxWarp>
-          </a:bodyPr>
-          <a:lstStyle/>
-          <a:p>
-            <a:pPr marL="342900" marR="0" lvl="0" indent="-342900" algn="l" defTabSz="914400" rtl="0" eaLnBrk="1" fontAlgn="base" latinLnBrk="0" hangingPunct="1">
-              <a:lnSpc>
-                <a:spcPct val="100000"/>
-              </a:lnSpc>
-              <a:spcBef>
-                <a:spcPct val="20000"/>
-              </a:spcBef>
-              <a:spcAft>
-                <a:spcPct val="0"/>
-              </a:spcAft>
-              <a:buClrTx/>
-              <a:buSzTx/>
-              <a:buFontTx/>
-              <a:buNone/>
-              <a:tabLst/>
-              <a:defRPr/>
-            </a:pPr>
-            <a:r>
-              <a:rPr kumimoji="0" lang="en-US" sz="4800" b="0" i="0" u="none" strike="noStrike" kern="0" cap="none" spc="0" normalizeH="0" baseline="0" noProof="0" dirty="0" smtClean="0">
-                <a:ln>
-                  <a:noFill/>
-                </a:ln>
-                <a:solidFill>
-                  <a:srgbClr val="0000FF"/>
-                </a:solidFill>
-                <a:effectLst/>
-                <a:uLnTx/>
-                <a:uFillTx/>
-                <a:latin typeface="Comic Sans MS"/>
-                <a:ea typeface="+mn-ea"/>
-                <a:cs typeface="Comic Sans MS"/>
-              </a:rPr>
-              <a:t>(A   </a:t>
-            </a:r>
-            <a:r>
-              <a:rPr kumimoji="0" lang="en-US" sz="4800" b="0" i="0" u="none" strike="noStrike" kern="0" cap="none" spc="0" normalizeH="0" baseline="0" noProof="0" dirty="0" smtClean="0">
-                <a:ln>
-                  <a:noFill/>
-                </a:ln>
-                <a:solidFill>
-                  <a:srgbClr val="0000FF"/>
-                </a:solidFill>
-                <a:effectLst/>
-                <a:uLnTx/>
-                <a:uFillTx/>
-                <a:latin typeface="Symbol" charset="2"/>
-                <a:ea typeface="+mn-ea"/>
-                <a:cs typeface="Symbol" charset="2"/>
-              </a:rPr>
-              <a:t>≥</a:t>
-            </a:r>
-            <a:r>
-              <a:rPr kumimoji="0" lang="en-US" sz="4800" b="0" i="0" u="none" strike="noStrike" kern="0" cap="none" spc="0" normalizeH="0" baseline="0" noProof="0" dirty="0" smtClean="0">
-                <a:ln>
-                  <a:noFill/>
-                </a:ln>
-                <a:solidFill>
-                  <a:srgbClr val="0000FF"/>
-                </a:solidFill>
-                <a:effectLst/>
-                <a:uLnTx/>
-                <a:uFillTx/>
-                <a:latin typeface="Comic Sans MS"/>
-                <a:ea typeface="+mn-ea"/>
-                <a:cs typeface="Comic Sans MS"/>
-              </a:rPr>
-              <a:t>   B   </a:t>
-            </a:r>
-            <a:r>
-              <a:rPr kumimoji="0" lang="en-US" sz="4800" b="0" i="0" u="none" strike="noStrike" kern="0" cap="none" spc="0" normalizeH="0" baseline="0" noProof="0" dirty="0" smtClean="0">
-                <a:ln>
-                  <a:noFill/>
-                </a:ln>
-                <a:solidFill>
-                  <a:srgbClr val="0000FF"/>
-                </a:solidFill>
-                <a:effectLst/>
-                <a:uLnTx/>
-                <a:uFillTx/>
-                <a:latin typeface="Symbol" charset="2"/>
-                <a:ea typeface="+mn-ea"/>
-                <a:cs typeface="Symbol" charset="2"/>
-              </a:rPr>
-              <a:t>≥     </a:t>
-            </a:r>
-            <a:r>
-              <a:rPr kumimoji="0" lang="en-US" sz="4800" b="0" i="0" u="none" strike="noStrike" kern="0" cap="none" spc="0" normalizeH="0" baseline="0" noProof="0" dirty="0" smtClean="0">
-                <a:ln>
-                  <a:noFill/>
-                </a:ln>
-                <a:solidFill>
-                  <a:srgbClr val="0000FF"/>
-                </a:solidFill>
-                <a:effectLst/>
-                <a:uLnTx/>
-                <a:uFillTx/>
-                <a:latin typeface="Comic Sans MS"/>
-                <a:ea typeface="+mn-ea"/>
-                <a:cs typeface="Comic Sans MS"/>
-              </a:rPr>
-              <a:t>C </a:t>
-            </a:r>
-            <a:r>
-              <a:rPr kumimoji="0" lang="en-US" sz="4000" b="0" i="0" u="none" strike="noStrike" kern="0" cap="none" spc="0" normalizeH="0" baseline="0" noProof="0" dirty="0" smtClean="0">
-                <a:ln>
-                  <a:noFill/>
-                </a:ln>
-                <a:solidFill>
-                  <a:schemeClr val="tx2"/>
-                </a:solidFill>
-                <a:effectLst/>
-                <a:uLnTx/>
-                <a:uFillTx/>
-                <a:latin typeface="Comic Sans MS"/>
-                <a:ea typeface="+mn-ea"/>
-                <a:cs typeface="Comic Sans MS"/>
-              </a:rPr>
-              <a:t> </a:t>
-            </a:r>
-            <a:r>
-              <a:rPr kumimoji="0" lang="en-US" sz="3600" b="0" i="0" u="none" strike="noStrike" kern="0" cap="none" spc="0" normalizeH="0" baseline="0" noProof="0" dirty="0" smtClean="0">
-                <a:ln>
-                  <a:noFill/>
-                </a:ln>
-                <a:solidFill>
-                  <a:schemeClr val="tx2"/>
-                </a:solidFill>
-                <a:effectLst/>
-                <a:uLnTx/>
-                <a:uFillTx/>
-                <a:latin typeface="Comic Sans MS"/>
-                <a:ea typeface="+mn-ea"/>
-                <a:cs typeface="Comic Sans MS"/>
-              </a:rPr>
-              <a:t>IMPLIES</a:t>
-            </a:r>
-            <a:r>
-              <a:rPr kumimoji="0" lang="en-US" sz="5400" b="0" i="0" u="none" strike="noStrike" kern="0" cap="none" spc="0" normalizeH="0" baseline="0" noProof="0" dirty="0" smtClean="0">
-                <a:ln>
-                  <a:noFill/>
-                </a:ln>
-                <a:solidFill>
-                  <a:schemeClr val="tx2"/>
-                </a:solidFill>
-                <a:effectLst/>
-                <a:uLnTx/>
-                <a:uFillTx/>
-                <a:latin typeface="Comic Sans MS"/>
-                <a:ea typeface="+mn-ea"/>
-                <a:cs typeface="Comic Sans MS"/>
-              </a:rPr>
-              <a:t>  </a:t>
-            </a:r>
-            <a:r>
-              <a:rPr kumimoji="0" lang="en-US" sz="4800" b="0" i="0" u="none" strike="noStrike" kern="0" cap="none" spc="0" normalizeH="0" baseline="0" noProof="0" dirty="0" smtClean="0">
-                <a:ln>
-                  <a:noFill/>
-                </a:ln>
-                <a:solidFill>
-                  <a:srgbClr val="0000FF"/>
-                </a:solidFill>
-                <a:effectLst/>
-                <a:uLnTx/>
-                <a:uFillTx/>
-                <a:latin typeface="Comic Sans MS"/>
-                <a:ea typeface="+mn-ea"/>
-                <a:cs typeface="Comic Sans MS"/>
-              </a:rPr>
-              <a:t>A </a:t>
-            </a:r>
-            <a:r>
-              <a:rPr kumimoji="0" lang="en-US" sz="4800" b="0" i="0" u="none" strike="noStrike" kern="0" cap="none" spc="0" normalizeH="0" baseline="0" noProof="0" dirty="0" smtClean="0">
-                <a:ln>
-                  <a:noFill/>
-                </a:ln>
-                <a:solidFill>
-                  <a:srgbClr val="0000FF"/>
-                </a:solidFill>
-                <a:effectLst/>
-                <a:uLnTx/>
-                <a:uFillTx/>
-                <a:latin typeface="Symbol" charset="2"/>
-                <a:ea typeface="+mn-ea"/>
-                <a:cs typeface="Symbol" charset="2"/>
-              </a:rPr>
-              <a:t>≥</a:t>
-            </a:r>
-            <a:r>
-              <a:rPr kumimoji="0" lang="en-US" sz="4800" b="0" i="0" u="none" strike="noStrike" kern="0" cap="none" spc="0" normalizeH="0" baseline="0" noProof="0" dirty="0" smtClean="0">
-                <a:ln>
-                  <a:noFill/>
-                </a:ln>
-                <a:solidFill>
-                  <a:srgbClr val="0000FF"/>
-                </a:solidFill>
-                <a:effectLst/>
-                <a:uLnTx/>
-                <a:uFillTx/>
-                <a:latin typeface="Comic Sans MS"/>
-                <a:ea typeface="+mn-ea"/>
-                <a:cs typeface="Comic Sans MS"/>
-              </a:rPr>
-              <a:t> C)</a:t>
-            </a:r>
+              </a:rPr>
+              <a:t>|C|</a:t>
+            </a:r>
+            <a:endParaRPr lang="en-US" sz="4800" dirty="0">
+              <a:solidFill>
+                <a:srgbClr val="0000FF"/>
+              </a:solidFill>
+              <a:latin typeface="Comic Sans MS"/>
+            </a:endParaRPr>
           </a:p>
         </p:txBody>
       </p:sp>
@@ -8744,10 +8678,10 @@
                 <a:ea typeface="+mn-ea"/>
                 <a:cs typeface="Comic Sans MS"/>
               </a:rPr>
-              <a:t>(A   </a:t>
-            </a:r>
-            <a:r>
-              <a:rPr lang="en-US" sz="4800" kern="0" smtClean="0">
+              <a:t>|A| </a:t>
+            </a:r>
+            <a:r>
+              <a:rPr lang="en-US" sz="4800" kern="0" dirty="0" smtClean="0">
                 <a:solidFill>
                   <a:srgbClr val="0000FF"/>
                 </a:solidFill>
@@ -8757,7 +8691,7 @@
               <a:t>≥</a:t>
             </a:r>
             <a:r>
-              <a:rPr kumimoji="0" lang="en-US" sz="4800" b="0" i="0" u="none" strike="noStrike" kern="0" cap="none" spc="0" normalizeH="0" baseline="0" noProof="0" smtClean="0">
+              <a:rPr kumimoji="0" lang="en-US" sz="4800" b="0" i="0" u="none" strike="noStrike" kern="0" cap="none" spc="0" normalizeH="0" baseline="0" noProof="0" dirty="0" smtClean="0">
                 <a:ln>
                   <a:noFill/>
                 </a:ln>
@@ -8771,24 +8705,7 @@
                 <a:ea typeface="+mn-ea"/>
                 <a:cs typeface="Comic Sans MS"/>
               </a:rPr>
-              <a:t>   </a:t>
-            </a:r>
-            <a:r>
-              <a:rPr kumimoji="0" lang="en-US" sz="4800" b="0" i="0" u="none" strike="noStrike" kern="0" cap="none" spc="0" normalizeH="0" baseline="0" noProof="0" dirty="0" smtClean="0">
-                <a:ln>
-                  <a:noFill/>
-                </a:ln>
-                <a:solidFill>
-                  <a:srgbClr val="0000FF"/>
-                </a:solidFill>
-                <a:effectLst/>
-                <a:uLnTx/>
-                <a:uFillTx/>
-                <a:latin typeface="Comic Sans MS"/>
-                <a:ea typeface="+mn-ea"/>
-                <a:cs typeface="Comic Sans MS"/>
-              </a:rPr>
-              <a:t>B   </a:t>
+              <a:t> |B| </a:t>
             </a:r>
             <a:r>
               <a:rPr kumimoji="0" lang="en-US" sz="4800" b="0" i="0" u="none" strike="noStrike" kern="0" cap="none" spc="0" normalizeH="0" baseline="0" noProof="0" dirty="0" smtClean="0">
@@ -8805,7 +8722,27 @@
                 <a:ea typeface="+mn-ea"/>
                 <a:cs typeface="Symbol" charset="2"/>
               </a:rPr>
-              <a:t>≥     </a:t>
+              <a:t>≥  </a:t>
+            </a:r>
+            <a:r>
+              <a:rPr lang="en-US" sz="4800" kern="0" dirty="0" smtClean="0">
+                <a:solidFill>
+                  <a:srgbClr val="0000FF"/>
+                </a:solidFill>
+                <a:latin typeface="Comic Sans MS"/>
+                <a:cs typeface="Comic Sans MS"/>
+              </a:rPr>
+              <a:t>|</a:t>
+            </a:r>
+            <a:r>
+              <a:rPr lang="en-US" sz="4800" kern="0" dirty="0">
+                <a:solidFill>
+                  <a:srgbClr val="0000FF"/>
+                </a:solidFill>
+                <a:latin typeface="Comic Sans MS"/>
+                <a:cs typeface="Comic Sans MS"/>
+              </a:rPr>
+              <a:t>A</a:t>
             </a:r>
             <a:r>
               <a:rPr kumimoji="0" lang="en-US" sz="4800" b="0" i="0" u="none" strike="noStrike" kern="0" cap="none" spc="0" normalizeH="0" baseline="0" noProof="0" dirty="0" smtClean="0">
@@ -8822,7 +8759,7 @@
                 <a:ea typeface="+mn-ea"/>
                 <a:cs typeface="Comic Sans MS"/>
               </a:rPr>
-              <a:t>A </a:t>
+              <a:t>|</a:t>
             </a:r>
             <a:r>
               <a:rPr kumimoji="0" lang="en-US" sz="4000" b="0" i="0" u="none" strike="noStrike" kern="0" cap="none" spc="0" normalizeH="0" baseline="0" noProof="0" dirty="0" smtClean="0">
@@ -8856,15 +8793,35 @@
                 <a:ea typeface="+mn-ea"/>
                 <a:cs typeface="Comic Sans MS"/>
               </a:rPr>
-              <a:t>IMPLIES</a:t>
-            </a:r>
-            <a:r>
-              <a:rPr kumimoji="0" lang="en-US" sz="5400" b="0" i="0" u="none" strike="noStrike" kern="0" cap="none" spc="0" normalizeH="0" baseline="0" noProof="0" dirty="0" smtClean="0">
+              <a:t>IMPLIES  </a:t>
+            </a:r>
+            <a:r>
+              <a:rPr lang="en-US" sz="4800" kern="0" dirty="0" smtClean="0">
+                <a:solidFill>
+                  <a:srgbClr val="0000FF"/>
+                </a:solidFill>
+                <a:latin typeface="Comic Sans MS"/>
+                <a:cs typeface="Comic Sans MS"/>
+              </a:rPr>
+              <a:t>|</a:t>
+            </a:r>
+            <a:r>
+              <a:rPr lang="en-US" sz="4800" kern="0" dirty="0">
+                <a:solidFill>
+                  <a:srgbClr val="0000FF"/>
+                </a:solidFill>
+                <a:latin typeface="Comic Sans MS"/>
+                <a:cs typeface="Comic Sans MS"/>
+              </a:rPr>
+              <a:t>A</a:t>
+            </a:r>
+            <a:r>
+              <a:rPr kumimoji="0" lang="en-US" sz="4800" b="0" i="0" u="none" strike="noStrike" kern="0" cap="none" spc="0" normalizeH="0" baseline="0" noProof="0" dirty="0" smtClean="0">
                 <a:ln>
                   <a:noFill/>
                 </a:ln>
                 <a:solidFill>
-                  <a:schemeClr val="tx2"/>
+                  <a:srgbClr val="0000FF"/>
                 </a:solidFill>
                 <a:effectLst/>
                 <a:uLnTx/>
@@ -8873,24 +8830,7 @@
                 <a:ea typeface="+mn-ea"/>
                 <a:cs typeface="Comic Sans MS"/>
               </a:rPr>
-              <a:t>  </a:t>
-            </a:r>
-            <a:r>
-              <a:rPr kumimoji="0" lang="en-US" sz="4800" b="0" i="0" u="none" strike="noStrike" kern="0" cap="none" spc="0" normalizeH="0" baseline="0" noProof="0" dirty="0" smtClean="0">
-                <a:ln>
-                  <a:noFill/>
-                </a:ln>
-                <a:solidFill>
-                  <a:srgbClr val="0000FF"/>
-                </a:solidFill>
-                <a:effectLst/>
-                <a:uLnTx/>
-                <a:uFillTx/>
-                <a:latin typeface="Comic Sans MS"/>
-                <a:ea typeface="+mn-ea"/>
-                <a:cs typeface="Comic Sans MS"/>
-              </a:rPr>
-              <a:t>A </a:t>
+              <a:t>|</a:t>
             </a:r>
             <a:r>
               <a:rPr kumimoji="0" lang="en-US" sz="4800" b="0" i="0" u="none" strike="noStrike" kern="0" cap="none" spc="0" normalizeH="0" baseline="0" noProof="0" dirty="0" smtClean="0">
@@ -8924,7 +8864,7 @@
                 <a:ea typeface="+mn-ea"/>
                 <a:cs typeface="Comic Sans MS"/>
               </a:rPr>
-              <a:t> </a:t>
+              <a:t>|</a:t>
             </a:r>
             <a:r>
               <a:rPr lang="en-US" sz="4800" kern="0" dirty="0" smtClean="0">
@@ -8937,22 +8877,29 @@
               <a:t>B</a:t>
             </a:r>
             <a:r>
-              <a:rPr kumimoji="0" lang="en-US" sz="4800" b="0" i="0" u="none" strike="noStrike" kern="0" cap="none" spc="0" normalizeH="0" baseline="0" noProof="0" dirty="0" smtClean="0">
-                <a:ln>
-                  <a:noFill/>
-                </a:ln>
-                <a:solidFill>
-                  <a:srgbClr val="0000FF"/>
-                </a:solidFill>
-                <a:effectLst/>
-                <a:uLnTx/>
-                <a:uFillTx/>
+              <a:rPr lang="en-US" sz="4800" kern="0" dirty="0">
+                <a:solidFill>
+                  <a:srgbClr val="0000FF"/>
+                </a:solidFill>
                 <a:latin typeface="Comic Sans MS"/>
-                <a:ea typeface="+mn-ea"/>
-                <a:cs typeface="Comic Sans MS"/>
-              </a:rPr>
-              <a:t>)</a:t>
-            </a:r>
+                <a:cs typeface="Comic Sans MS"/>
+              </a:rPr>
+              <a:t>|</a:t>
+            </a:r>
+            <a:endParaRPr kumimoji="0" lang="en-US" sz="4800" b="0" i="0" u="none" strike="noStrike" kern="0" cap="none" spc="0" normalizeH="0" baseline="0" noProof="0" dirty="0" smtClean="0">
+              <a:ln>
+                <a:noFill/>
+              </a:ln>
+              <a:solidFill>
+                <a:srgbClr val="0000FF"/>
+              </a:solidFill>
+              <a:effectLst/>
+              <a:uLnTx/>
+              <a:uFillTx/>
+              <a:latin typeface="Comic Sans MS"/>
+              <a:ea typeface="+mn-ea"/>
+              <a:cs typeface="Comic Sans MS"/>
+            </a:endParaRPr>
           </a:p>
         </p:txBody>
       </p:sp>
@@ -9622,7 +9569,7 @@
                   <a:srgbClr val="0000FF"/>
                 </a:solidFill>
               </a:rPr>
-              <a:t>{1, 2, 3, 4, …}</a:t>
+              <a:t>{1, 2, 3, 4, 5…}</a:t>
             </a:r>
           </a:p>
           <a:p>
@@ -9632,8 +9579,12 @@
               </a:spcBef>
             </a:pPr>
             <a:r>
-              <a:rPr lang="en-US" sz="7200" dirty="0" smtClean="0"/>
-              <a:t>and</a:t>
+              <a:rPr lang="en-US" sz="7200" dirty="0" smtClean="0">
+                <a:solidFill>
+                  <a:srgbClr val="9933FF"/>
+                </a:solidFill>
+              </a:rPr>
+              <a:t>      ↑</a:t>
             </a:r>
             <a:endParaRPr lang="en-US" sz="7200" dirty="0" smtClean="0">
               <a:sym typeface="Mathematica7Mono"/>
@@ -9667,7 +9618,7 @@
                   <a:srgbClr val="0000FF"/>
                 </a:solidFill>
               </a:rPr>
-              <a:t>, 1, 2, 3, …}</a:t>
+              <a:t>, 1, 2, 3, 4…}</a:t>
             </a:r>
           </a:p>
         </p:txBody>
@@ -9680,8 +9631,8 @@
         </p:nvSpPr>
         <p:spPr>
           <a:xfrm>
-            <a:off x="2284222" y="2345474"/>
-            <a:ext cx="4153902" cy="1200329"/>
+            <a:off x="3152728" y="2386442"/>
+            <a:ext cx="4429819" cy="1200329"/>
           </a:xfrm>
           <a:prstGeom prst="rect">
             <a:avLst/>
@@ -9702,7 +9653,7 @@
                 <a:latin typeface="Comic Sans MS" pitchFamily="66" charset="0"/>
                 <a:cs typeface="Comic Sans MS"/>
               </a:rPr>
-              <a:t>↑↑ ↑↑</a:t>
+              <a:t>↑ ↑ ↑↑</a:t>
             </a:r>
             <a:endParaRPr lang="en-US" dirty="0">
               <a:solidFill>
@@ -9753,6 +9704,53 @@
             <a:endParaRPr lang="en-US" sz="6600" dirty="0">
               <a:latin typeface="Comic Sans MS"/>
               <a:cs typeface="Comic Sans MS"/>
+            </a:endParaRPr>
+          </a:p>
+        </p:txBody>
+      </p:sp>
+      <p:sp useBgFill="1">
+        <p:nvSpPr>
+          <p:cNvPr id="8" name="Rectangle 7"/>
+          <p:cNvSpPr/>
+          <p:nvPr/>
+        </p:nvSpPr>
+        <p:spPr>
+          <a:xfrm>
+            <a:off x="1065421" y="4788302"/>
+            <a:ext cx="7013158" cy="1200329"/>
+          </a:xfrm>
+          <a:prstGeom prst="rect">
+            <a:avLst/>
+          </a:prstGeom>
+        </p:spPr>
+        <p:txBody>
+          <a:bodyPr wrap="none">
+            <a:spAutoFit/>
+          </a:bodyPr>
+          <a:lstStyle/>
+          <a:p>
+            <a:pPr lvl="0" indent="-342900">
+              <a:spcBef>
+                <a:spcPts val="0"/>
+              </a:spcBef>
+            </a:pPr>
+            <a:r>
+              <a:rPr lang="en-US" sz="7200" kern="0" dirty="0" smtClean="0">
+                <a:solidFill>
+                  <a:srgbClr val="000000"/>
+                </a:solidFill>
+                <a:latin typeface="Comic Sans MS" pitchFamily="66" charset="0"/>
+                <a:cs typeface="Comic Sans MS"/>
+              </a:rPr>
+              <a:t>the “same size”!</a:t>
+            </a:r>
+            <a:endParaRPr lang="en-US" sz="7200" kern="0" dirty="0" smtClean="0">
+              <a:solidFill>
+                <a:srgbClr val="000000"/>
+              </a:solidFill>
+              <a:latin typeface="Comic Sans MS" pitchFamily="66" charset="0"/>
+              <a:cs typeface="Comic Sans MS"/>
+              <a:sym typeface="Mathematica7Mono"/>
             </a:endParaRPr>
           </a:p>
         </p:txBody>
@@ -9784,7 +9782,7 @@
                             </p:stCondLst>
                             <p:childTnLst>
                               <p:par>
-                                <p:cTn id="5" presetID="22" presetClass="entr" presetSubtype="4" fill="hold" grpId="0" nodeType="clickEffect">
+                                <p:cTn id="5" presetID="22" presetClass="entr" presetSubtype="4" fill="hold" nodeType="clickEffect">
                                   <p:stCondLst>
                                     <p:cond delay="0"/>
                                   </p:stCondLst>
@@ -9792,6 +9790,67 @@
                                     <p:set>
                                       <p:cBhvr>
                                         <p:cTn id="6" dur="1" fill="hold">
+                                          <p:stCondLst>
+                                            <p:cond delay="0"/>
+                                          </p:stCondLst>
+                                        </p:cTn>
+                                        <p:tgtEl>
+                                          <p:spTgt spid="7">
+                                            <p:txEl>
+                                              <p:pRg st="1" end="1"/>
+                                            </p:txEl>
+                                          </p:spTgt>
+                                        </p:tgtEl>
+                                        <p:attrNameLst>
+                                          <p:attrName>style.visibility</p:attrName>
+                                        </p:attrNameLst>
+                                      </p:cBhvr>
+                                      <p:to>
+                                        <p:strVal val="visible"/>
+                                      </p:to>
+                                    </p:set>
+                                    <p:animEffect transition="in" filter="wipe(down)">
+                                      <p:cBhvr>
+                                        <p:cTn id="7" dur="500"/>
+                                        <p:tgtEl>
+                                          <p:spTgt spid="7">
+                                            <p:txEl>
+                                              <p:pRg st="1" end="1"/>
+                                            </p:txEl>
+                                          </p:spTgt>
+                                        </p:tgtEl>
+                                      </p:cBhvr>
+                                    </p:animEffect>
+                                  </p:childTnLst>
+                                </p:cTn>
+                              </p:par>
+                            </p:childTnLst>
+                          </p:cTn>
+                        </p:par>
+                      </p:childTnLst>
+                    </p:cTn>
+                  </p:par>
+                  <p:par>
+                    <p:cTn id="8" fill="hold">
+                      <p:stCondLst>
+                        <p:cond delay="indefinite"/>
+                      </p:stCondLst>
+                      <p:childTnLst>
+                        <p:par>
+                          <p:cTn id="9" fill="hold">
+                            <p:stCondLst>
+                              <p:cond delay="0"/>
+                            </p:stCondLst>
+                            <p:childTnLst>
+                              <p:par>
+                                <p:cTn id="10" presetID="22" presetClass="entr" presetSubtype="4" fill="hold" grpId="0" nodeType="clickEffect">
+                                  <p:stCondLst>
+                                    <p:cond delay="0"/>
+                                  </p:stCondLst>
+                                  <p:childTnLst>
+                                    <p:set>
+                                      <p:cBhvr>
+                                        <p:cTn id="11" dur="1" fill="hold">
                                           <p:stCondLst>
                                             <p:cond delay="0"/>
                                           </p:stCondLst>
@@ -9809,7 +9868,7 @@
                                     </p:set>
                                     <p:animEffect transition="in" filter="wipe(down)">
                                       <p:cBhvr>
-                                        <p:cTn id="7" dur="1000"/>
+                                        <p:cTn id="12" dur="1000"/>
                                         <p:tgtEl>
                                           <p:spTgt spid="9"/>
                                         </p:tgtEl>
@@ -9822,20 +9881,20 @@
                           </p:cTn>
                         </p:par>
                         <p:par>
-                          <p:cTn id="8" fill="hold">
+                          <p:cTn id="13" fill="hold">
                             <p:stCondLst>
                               <p:cond delay="1000"/>
                             </p:stCondLst>
                             <p:childTnLst>
                               <p:par>
-                                <p:cTn id="9" presetID="10" presetClass="entr" presetSubtype="0" fill="hold" grpId="0" nodeType="afterEffect">
+                                <p:cTn id="14" presetID="10" presetClass="entr" presetSubtype="0" fill="hold" grpId="0" nodeType="afterEffect">
                                   <p:stCondLst>
                                     <p:cond delay="0"/>
                                   </p:stCondLst>
                                   <p:childTnLst>
                                     <p:set>
                                       <p:cBhvr>
-                                        <p:cTn id="10" dur="1" fill="hold">
+                                        <p:cTn id="15" dur="1" fill="hold">
                                           <p:stCondLst>
                                             <p:cond delay="0"/>
                                           </p:stCondLst>
@@ -9853,9 +9912,62 @@
                                     </p:set>
                                     <p:animEffect transition="in" filter="fade">
                                       <p:cBhvr>
-                                        <p:cTn id="11" dur="500"/>
+                                        <p:cTn id="16" dur="500"/>
                                         <p:tgtEl>
                                           <p:spTgt spid="11"/>
+                                        </p:tgtEl>
+                                      </p:cBhvr>
+                                    </p:animEffect>
+                                  </p:childTnLst>
+                                </p:cTn>
+                              </p:par>
+                            </p:childTnLst>
+                          </p:cTn>
+                        </p:par>
+                      </p:childTnLst>
+                    </p:cTn>
+                  </p:par>
+                  <p:par>
+                    <p:cTn id="17" fill="hold">
+                      <p:stCondLst>
+                        <p:cond delay="indefinite"/>
+                      </p:stCondLst>
+                      <p:childTnLst>
+                        <p:par>
+                          <p:cTn id="18" fill="hold">
+                            <p:stCondLst>
+                              <p:cond delay="0"/>
+                            </p:stCondLst>
+                            <p:childTnLst>
+                              <p:par>
+                                <p:cTn id="19" presetID="9" presetClass="entr" presetSubtype="0" fill="hold" grpId="0" nodeType="clickEffect">
+                                  <p:stCondLst>
+                                    <p:cond delay="0"/>
+                                  </p:stCondLst>
+                                  <p:childTnLst>
+                                    <p:set>
+                                      <p:cBhvr>
+                                        <p:cTn id="20" dur="1" fill="hold">
+                                          <p:stCondLst>
+                                            <p:cond delay="0"/>
+                                          </p:stCondLst>
+                                        </p:cTn>
+                                        <p:tgtEl>
+                                          <p:spTgt spid="8"/>
+                                        </p:tgtEl>
+                                        <p:attrNameLst>
+                                          <p:attrName>style.visibility</p:attrName>
+                                        </p:attrNameLst>
+                                      </p:cBhvr>
+                                      <p:to>
+                                        <p:strVal val="visible"/>
+                                      </p:to>
+                                    </p:set>
+                                    <p:animEffect transition="in" filter="dissolve">
+                                      <p:cBhvr>
+                                        <p:cTn id="21" dur="500"/>
+                                        <p:tgtEl>
+                                          <p:spTgt spid="8"/>
                                         </p:tgtEl>
                                       </p:cBhvr>
                                     </p:animEffect>
@@ -9892,6 +10004,7 @@
     <p:bldLst>
       <p:bldP spid="9" grpId="0"/>
       <p:bldP spid="11" grpId="0"/>
+      <p:bldP spid="8" grpId="0" animBg="1"/>
     </p:bldLst>
   </p:timing>
 </p:sld>
@@ -9972,7 +10085,7 @@
                   <a:srgbClr val="0000FF"/>
                 </a:solidFill>
               </a:rPr>
-              <a:t>{1, 2, 3, 4, …}</a:t>
+              <a:t>{1, 2, 3, 4, 5,…}</a:t>
             </a:r>
           </a:p>
           <a:p>
@@ -10017,29 +10130,28 @@
                   <a:srgbClr val="0000FF"/>
                 </a:solidFill>
               </a:rPr>
-              <a:t>, 1, 2, 3, …}</a:t>
+              <a:t>, 1,-1, 2,-2,…}</a:t>
             </a:r>
           </a:p>
         </p:txBody>
       </p:sp>
       <p:sp>
         <p:nvSpPr>
-          <p:cNvPr id="9" name="TextBox 8"/>
-          <p:cNvSpPr txBox="1"/>
+          <p:cNvPr id="2" name="Rectangle 1"/>
+          <p:cNvSpPr/>
           <p:nvPr/>
         </p:nvSpPr>
         <p:spPr>
           <a:xfrm>
-            <a:off x="2284222" y="2345474"/>
-            <a:ext cx="4153902" cy="1200329"/>
+            <a:off x="2248129" y="2387007"/>
+            <a:ext cx="5353148" cy="1200329"/>
           </a:xfrm>
           <a:prstGeom prst="rect">
             <a:avLst/>
           </a:prstGeom>
-          <a:noFill/>
         </p:spPr>
         <p:txBody>
-          <a:bodyPr wrap="none" rtlCol="0">
+          <a:bodyPr wrap="none">
             <a:spAutoFit/>
           </a:bodyPr>
           <a:lstStyle/>
@@ -10052,7 +10164,27 @@
                 <a:latin typeface="Comic Sans MS" pitchFamily="66" charset="0"/>
                 <a:cs typeface="Comic Sans MS"/>
               </a:rPr>
-              <a:t>↑↑ ↑↑</a:t>
+              <a:t>↑↑ </a:t>
+            </a:r>
+            <a:r>
+              <a:rPr lang="en-US" sz="7200" kern="0" dirty="0">
+                <a:solidFill>
+                  <a:srgbClr val="9933FF"/>
+                </a:solidFill>
+                <a:latin typeface="Comic Sans MS" pitchFamily="66" charset="0"/>
+                <a:cs typeface="Comic Sans MS"/>
+              </a:rPr>
+              <a:t>↑</a:t>
+            </a:r>
+            <a:r>
+              <a:rPr lang="en-US" sz="7200" kern="0" dirty="0" smtClean="0">
+                <a:solidFill>
+                  <a:srgbClr val="9933FF"/>
+                </a:solidFill>
+                <a:latin typeface="Comic Sans MS" pitchFamily="66" charset="0"/>
+                <a:cs typeface="Comic Sans MS"/>
+              </a:rPr>
+              <a:t>↑ ↑</a:t>
             </a:r>
             <a:endParaRPr lang="en-US" dirty="0">
               <a:solidFill>
@@ -10066,7 +10198,7 @@
       </p:sp>
       <p:sp useBgFill="1">
         <p:nvSpPr>
-          <p:cNvPr id="10" name="Rectangle 9"/>
+          <p:cNvPr id="8" name="Rectangle 7"/>
           <p:cNvSpPr/>
           <p:nvPr/>
         </p:nvSpPr>
@@ -10112,6 +10244,11 @@
         </p:txBody>
       </p:sp>
     </p:spTree>
+    <p:extLst>
+      <p:ext uri="{BB962C8B-B14F-4D97-AF65-F5344CB8AC3E}">
+        <p14:creationId xmlns:p14="http://schemas.microsoft.com/office/powerpoint/2010/main" val="2858664938"/>
+      </p:ext>
+    </p:extLst>
   </p:cSld>
   <p:clrMapOvr>
     <a:masterClrMapping/>
@@ -10128,9 +10265,6 @@
                     <p:cTn id="3" fill="hold">
                       <p:stCondLst>
                         <p:cond delay="indefinite"/>
-                        <p:cond evt="onBegin" delay="0">
-                          <p:tn val="2"/>
-                        </p:cond>
                       </p:stCondLst>
                       <p:childTnLst>
                         <p:par>
@@ -10140,7 +10274,7 @@
                             </p:stCondLst>
                             <p:childTnLst>
                               <p:par>
-                                <p:cTn id="5" presetID="37" presetClass="entr" presetSubtype="0" fill="hold" grpId="0" nodeType="afterEffect">
+                                <p:cTn id="5" presetID="22" presetClass="entr" presetSubtype="4" fill="hold" grpId="0" nodeType="clickEffect">
                                   <p:stCondLst>
                                     <p:cond delay="0"/>
                                   </p:stCondLst>
@@ -10153,7 +10287,7 @@
                                           </p:stCondLst>
                                         </p:cTn>
                                         <p:tgtEl>
-                                          <p:spTgt spid="10"/>
+                                          <p:spTgt spid="2"/>
                                         </p:tgtEl>
                                         <p:attrNameLst>
                                           <p:attrName>style.visibility</p:attrName>
@@ -10163,87 +10297,67 @@
                                         <p:strVal val="visible"/>
                                       </p:to>
                                     </p:set>
-                                    <p:animEffect transition="in" filter="fade">
+                                    <p:animEffect transition="in" filter="wipe(down)">
                                       <p:cBhvr>
-                                        <p:cTn id="7" dur="1000"/>
+                                        <p:cTn id="7" dur="500"/>
                                         <p:tgtEl>
-                                          <p:spTgt spid="10"/>
+                                          <p:spTgt spid="2"/>
                                         </p:tgtEl>
                                       </p:cBhvr>
                                     </p:animEffect>
-                                    <p:anim calcmode="lin" valueType="num">
+                                  </p:childTnLst>
+                                </p:cTn>
+                              </p:par>
+                            </p:childTnLst>
+                          </p:cTn>
+                        </p:par>
+                      </p:childTnLst>
+                    </p:cTn>
+                  </p:par>
+                  <p:par>
+                    <p:cTn id="8" fill="hold">
+                      <p:stCondLst>
+                        <p:cond delay="indefinite"/>
+                      </p:stCondLst>
+                      <p:childTnLst>
+                        <p:par>
+                          <p:cTn id="9" fill="hold">
+                            <p:stCondLst>
+                              <p:cond delay="0"/>
+                            </p:stCondLst>
+                            <p:childTnLst>
+                              <p:par>
+                                <p:cTn id="10" presetID="9" presetClass="entr" presetSubtype="0" fill="hold" grpId="0" nodeType="clickEffect">
+                                  <p:stCondLst>
+                                    <p:cond delay="0"/>
+                                  </p:stCondLst>
+                                  <p:childTnLst>
+                                    <p:set>
                                       <p:cBhvr>
-                                        <p:cTn id="8" dur="1000" fill="hold"/>
-                                        <p:tgtEl>
-                                          <p:spTgt spid="10"/>
-                                        </p:tgtEl>
-                                        <p:attrNameLst>
-                                          <p:attrName>ppt_x</p:attrName>
-                                        </p:attrNameLst>
-                                      </p:cBhvr>
-                                      <p:tavLst>
-                                        <p:tav tm="0">
-                                          <p:val>
-                                            <p:strVal val="#ppt_x"/>
-                                          </p:val>
-                                        </p:tav>
-                                        <p:tav tm="100000">
-                                          <p:val>
-                                            <p:strVal val="#ppt_x"/>
-                                          </p:val>
-                                        </p:tav>
-                                      </p:tavLst>
-                                    </p:anim>
-                                    <p:anim calcmode="lin" valueType="num">
-                                      <p:cBhvr>
-                                        <p:cTn id="9" dur="900" decel="100000" fill="hold"/>
-                                        <p:tgtEl>
-                                          <p:spTgt spid="10"/>
-                                        </p:tgtEl>
-                                        <p:attrNameLst>
-                                          <p:attrName>ppt_y</p:attrName>
-                                        </p:attrNameLst>
-                                      </p:cBhvr>
-                                      <p:tavLst>
-                                        <p:tav tm="0">
-                                          <p:val>
-                                            <p:strVal val="#ppt_y+1"/>
-                                          </p:val>
-                                        </p:tav>
-                                        <p:tav tm="100000">
-                                          <p:val>
-                                            <p:strVal val="#ppt_y-.03"/>
-                                          </p:val>
-                                        </p:tav>
-                                      </p:tavLst>
-                                    </p:anim>
-                                    <p:anim calcmode="lin" valueType="num">
-                                      <p:cBhvr>
-                                        <p:cTn id="10" dur="100" accel="100000" fill="hold">
+                                        <p:cTn id="11" dur="1" fill="hold">
                                           <p:stCondLst>
-                                            <p:cond delay="900"/>
+                                            <p:cond delay="0"/>
                                           </p:stCondLst>
                                         </p:cTn>
                                         <p:tgtEl>
-                                          <p:spTgt spid="10"/>
+                                          <p:spTgt spid="8"/>
                                         </p:tgtEl>
                                         <p:attrNameLst>
-                                          <p:attrName>ppt_y</p:attrName>
+                                          <p:attrName>style.visibility</p:attrName>
                                         </p:attrNameLst>
                                       </p:cBhvr>
-                                      <p:tavLst>
-                                        <p:tav tm="0">
-                                          <p:val>
-                                            <p:strVal val="#ppt_y-.03"/>
-                                          </p:val>
-                                        </p:tav>
-                                        <p:tav tm="100000">
-                                          <p:val>
-                                            <p:strVal val="#ppt_y"/>
-                                          </p:val>
-                                        </p:tav>
-                                      </p:tavLst>
-                                    </p:anim>
+                                      <p:to>
+                                        <p:strVal val="visible"/>
+                                      </p:to>
+                                    </p:set>
+                                    <p:animEffect transition="in" filter="dissolve">
+                                      <p:cBhvr>
+                                        <p:cTn id="12" dur="500"/>
+                                        <p:tgtEl>
+                                          <p:spTgt spid="8"/>
+                                        </p:tgtEl>
+                                      </p:cBhvr>
+                                    </p:animEffect>
                                   </p:childTnLst>
                                 </p:cTn>
                               </p:par>
@@ -10275,7 +10389,8 @@
       </p:par>
     </p:tnLst>
     <p:bldLst>
-      <p:bldP spid="10" grpId="0" animBg="1"/>
+      <p:bldP spid="2" grpId="0"/>
+      <p:bldP spid="8" grpId="0" animBg="1"/>
     </p:bldLst>
   </p:timing>
 </p:sld>
@@ -10300,21 +10415,120 @@
       </p:grpSpPr>
       <p:grpSp>
         <p:nvGrpSpPr>
-          <p:cNvPr id="29" name="Group 28"/>
+          <p:cNvPr id="9" name="Group 8"/>
           <p:cNvGrpSpPr/>
           <p:nvPr/>
         </p:nvGrpSpPr>
         <p:grpSpPr>
           <a:xfrm>
-            <a:off x="423396" y="2032000"/>
-            <a:ext cx="8216695" cy="4140200"/>
-            <a:chOff x="423396" y="2032000"/>
-            <a:chExt cx="8216695" cy="4140200"/>
+            <a:off x="6433163" y="2048392"/>
+            <a:ext cx="2198733" cy="4140200"/>
+            <a:chOff x="6474133" y="1966452"/>
+            <a:chExt cx="2198733" cy="4140200"/>
           </a:xfrm>
         </p:grpSpPr>
+        <p:grpSp>
+          <p:nvGrpSpPr>
+            <p:cNvPr id="3" name="Group 2"/>
+            <p:cNvGrpSpPr/>
+            <p:nvPr/>
+          </p:nvGrpSpPr>
+          <p:grpSpPr>
+            <a:xfrm>
+              <a:off x="6474133" y="1966452"/>
+              <a:ext cx="2198733" cy="4140200"/>
+              <a:chOff x="6441358" y="2072968"/>
+              <a:chExt cx="2198733" cy="4140200"/>
+            </a:xfrm>
+          </p:grpSpPr>
+          <p:sp>
+            <p:nvSpPr>
+              <p:cNvPr id="154648" name="Oval 24"/>
+              <p:cNvSpPr>
+                <a:spLocks noChangeArrowheads="1"/>
+              </p:cNvSpPr>
+              <p:nvPr/>
+            </p:nvSpPr>
+            <p:spPr bwMode="auto">
+              <a:xfrm>
+                <a:off x="6441358" y="2072968"/>
+                <a:ext cx="1295400" cy="4140200"/>
+              </a:xfrm>
+              <a:prstGeom prst="ellipse">
+                <a:avLst/>
+              </a:prstGeom>
+              <a:solidFill>
+                <a:srgbClr val="F0A6E2"/>
+              </a:solidFill>
+              <a:ln w="9525">
+                <a:solidFill>
+                  <a:schemeClr val="tx1"/>
+                </a:solidFill>
+                <a:round/>
+                <a:headEnd/>
+                <a:tailEnd/>
+              </a:ln>
+              <a:effectLst/>
+            </p:spPr>
+            <p:txBody>
+              <a:bodyPr wrap="none" anchor="ctr"/>
+              <a:lstStyle/>
+              <a:p>
+                <a:endParaRPr lang="en-US" dirty="0">
+                  <a:latin typeface="Comic Sans MS"/>
+                  <a:cs typeface="Comic Sans MS"/>
+                </a:endParaRPr>
+              </a:p>
+            </p:txBody>
+          </p:sp>
+          <p:sp>
+            <p:nvSpPr>
+              <p:cNvPr id="32" name="Text Box 23"/>
+              <p:cNvSpPr txBox="1">
+                <a:spLocks noChangeArrowheads="1"/>
+              </p:cNvSpPr>
+              <p:nvPr/>
+            </p:nvSpPr>
+            <p:spPr bwMode="auto">
+              <a:xfrm>
+                <a:off x="7921625" y="3411538"/>
+                <a:ext cx="718466" cy="1107996"/>
+              </a:xfrm>
+              <a:prstGeom prst="rect">
+                <a:avLst/>
+              </a:prstGeom>
+              <a:noFill/>
+              <a:ln w="9525">
+                <a:noFill/>
+                <a:miter lim="800000"/>
+                <a:headEnd/>
+                <a:tailEnd/>
+              </a:ln>
+              <a:effectLst/>
+            </p:spPr>
+            <p:txBody>
+              <a:bodyPr wrap="none">
+                <a:spAutoFit/>
+              </a:bodyPr>
+              <a:lstStyle/>
+              <a:p>
+                <a:r>
+                  <a:rPr lang="en-US" sz="6600" dirty="0">
+                    <a:solidFill>
+                      <a:srgbClr val="0000FF"/>
+                    </a:solidFill>
+                    <a:latin typeface="Comic Sans MS" pitchFamily="66" charset="0"/>
+                    <a:cs typeface="Comic Sans MS"/>
+                  </a:rPr>
+                  <a:t>B</a:t>
+                </a:r>
+              </a:p>
+            </p:txBody>
+          </p:sp>
+        </p:grpSp>
         <p:sp>
           <p:nvSpPr>
-            <p:cNvPr id="154643" name="Oval 19"/>
+            <p:cNvPr id="154642" name="Oval 18"/>
             <p:cNvSpPr>
               <a:spLocks noChangeArrowheads="1"/>
             </p:cNvSpPr>
@@ -10322,18 +10536,18 @@
           </p:nvSpPr>
           <p:spPr bwMode="auto">
             <a:xfrm>
-              <a:off x="1270000" y="2095500"/>
-              <a:ext cx="1092200" cy="3860800"/>
+              <a:off x="6890775" y="2585884"/>
+              <a:ext cx="157163" cy="152400"/>
             </a:xfrm>
             <a:prstGeom prst="ellipse">
               <a:avLst/>
             </a:prstGeom>
             <a:solidFill>
-              <a:srgbClr val="92D050"/>
+              <a:srgbClr val="E45ECA"/>
             </a:solidFill>
             <a:ln w="9525">
               <a:solidFill>
-                <a:schemeClr val="tx1"/>
+                <a:srgbClr val="FF3300"/>
               </a:solidFill>
               <a:round/>
               <a:headEnd/>
@@ -10345,7 +10559,6 @@
             <a:bodyPr wrap="none" anchor="ctr"/>
             <a:lstStyle/>
             <a:p>
-              <a:pPr algn="ctr"/>
               <a:endParaRPr lang="en-US" dirty="0">
                 <a:latin typeface="Comic Sans MS"/>
                 <a:cs typeface="Comic Sans MS"/>
@@ -10355,7 +10568,7 @@
         </p:sp>
         <p:sp>
           <p:nvSpPr>
-            <p:cNvPr id="154648" name="Oval 24"/>
+            <p:cNvPr id="154644" name="Oval 20"/>
             <p:cNvSpPr>
               <a:spLocks noChangeArrowheads="1"/>
             </p:cNvSpPr>
@@ -10363,14 +10576,289 @@
           </p:nvSpPr>
           <p:spPr bwMode="auto">
             <a:xfrm>
-              <a:off x="6515100" y="2032000"/>
-              <a:ext cx="1295400" cy="4140200"/>
+              <a:off x="6979675" y="4147984"/>
+              <a:ext cx="157163" cy="152400"/>
             </a:xfrm>
             <a:prstGeom prst="ellipse">
               <a:avLst/>
             </a:prstGeom>
             <a:solidFill>
-              <a:srgbClr val="F0A6E2"/>
+              <a:srgbClr val="E45ECA"/>
+            </a:solidFill>
+            <a:ln w="9525">
+              <a:solidFill>
+                <a:srgbClr val="FF3300"/>
+              </a:solidFill>
+              <a:round/>
+              <a:headEnd/>
+              <a:tailEnd/>
+            </a:ln>
+            <a:effectLst/>
+          </p:spPr>
+          <p:txBody>
+            <a:bodyPr wrap="none" anchor="ctr"/>
+            <a:lstStyle/>
+            <a:p>
+              <a:endParaRPr lang="en-US" dirty="0">
+                <a:latin typeface="Comic Sans MS"/>
+                <a:cs typeface="Comic Sans MS"/>
+              </a:endParaRPr>
+            </a:p>
+          </p:txBody>
+        </p:sp>
+        <p:sp>
+          <p:nvSpPr>
+            <p:cNvPr id="154645" name="Oval 21"/>
+            <p:cNvSpPr>
+              <a:spLocks noChangeArrowheads="1"/>
+            </p:cNvSpPr>
+            <p:nvPr/>
+          </p:nvSpPr>
+          <p:spPr bwMode="auto">
+            <a:xfrm>
+              <a:off x="7170175" y="3563784"/>
+              <a:ext cx="157163" cy="152400"/>
+            </a:xfrm>
+            <a:prstGeom prst="ellipse">
+              <a:avLst/>
+            </a:prstGeom>
+            <a:solidFill>
+              <a:srgbClr val="E45ECA"/>
+            </a:solidFill>
+            <a:ln w="9525">
+              <a:solidFill>
+                <a:srgbClr val="FF3300"/>
+              </a:solidFill>
+              <a:round/>
+              <a:headEnd/>
+              <a:tailEnd/>
+            </a:ln>
+            <a:effectLst/>
+          </p:spPr>
+          <p:txBody>
+            <a:bodyPr wrap="none" anchor="ctr"/>
+            <a:lstStyle/>
+            <a:p>
+              <a:endParaRPr lang="en-US" dirty="0">
+                <a:latin typeface="Comic Sans MS"/>
+                <a:cs typeface="Comic Sans MS"/>
+              </a:endParaRPr>
+            </a:p>
+          </p:txBody>
+        </p:sp>
+        <p:sp>
+          <p:nvSpPr>
+            <p:cNvPr id="154646" name="Oval 22"/>
+            <p:cNvSpPr>
+              <a:spLocks noChangeArrowheads="1"/>
+            </p:cNvSpPr>
+            <p:nvPr/>
+          </p:nvSpPr>
+          <p:spPr bwMode="auto">
+            <a:xfrm>
+              <a:off x="7195575" y="4884584"/>
+              <a:ext cx="157163" cy="152400"/>
+            </a:xfrm>
+            <a:prstGeom prst="ellipse">
+              <a:avLst/>
+            </a:prstGeom>
+            <a:solidFill>
+              <a:srgbClr val="E45ECA"/>
+            </a:solidFill>
+            <a:ln w="9525">
+              <a:solidFill>
+                <a:srgbClr val="FF3300"/>
+              </a:solidFill>
+              <a:round/>
+              <a:headEnd/>
+              <a:tailEnd/>
+            </a:ln>
+            <a:effectLst/>
+          </p:spPr>
+          <p:txBody>
+            <a:bodyPr wrap="none" anchor="ctr"/>
+            <a:lstStyle/>
+            <a:p>
+              <a:endParaRPr lang="en-US" dirty="0">
+                <a:latin typeface="Comic Sans MS"/>
+                <a:cs typeface="Comic Sans MS"/>
+              </a:endParaRPr>
+            </a:p>
+          </p:txBody>
+        </p:sp>
+        <p:sp>
+          <p:nvSpPr>
+            <p:cNvPr id="154647" name="Oval 23"/>
+            <p:cNvSpPr>
+              <a:spLocks noChangeArrowheads="1"/>
+            </p:cNvSpPr>
+            <p:nvPr/>
+          </p:nvSpPr>
+          <p:spPr bwMode="auto">
+            <a:xfrm>
+              <a:off x="7182875" y="5608484"/>
+              <a:ext cx="157163" cy="152400"/>
+            </a:xfrm>
+            <a:prstGeom prst="ellipse">
+              <a:avLst/>
+            </a:prstGeom>
+            <a:solidFill>
+              <a:srgbClr val="E45ECA"/>
+            </a:solidFill>
+            <a:ln w="9525">
+              <a:solidFill>
+                <a:srgbClr val="FF3300"/>
+              </a:solidFill>
+              <a:round/>
+              <a:headEnd/>
+              <a:tailEnd/>
+            </a:ln>
+            <a:effectLst/>
+          </p:spPr>
+          <p:txBody>
+            <a:bodyPr wrap="none" anchor="ctr"/>
+            <a:lstStyle/>
+            <a:p>
+              <a:endParaRPr lang="en-US" dirty="0">
+                <a:latin typeface="Comic Sans MS"/>
+                <a:cs typeface="Comic Sans MS"/>
+              </a:endParaRPr>
+            </a:p>
+          </p:txBody>
+        </p:sp>
+      </p:grpSp>
+      <p:grpSp>
+        <p:nvGrpSpPr>
+          <p:cNvPr id="7" name="Group 6"/>
+          <p:cNvGrpSpPr/>
+          <p:nvPr/>
+        </p:nvGrpSpPr>
+        <p:grpSpPr>
+          <a:xfrm>
+            <a:off x="423396" y="2095500"/>
+            <a:ext cx="1938804" cy="3860800"/>
+            <a:chOff x="423396" y="2095500"/>
+            <a:chExt cx="1938804" cy="3860800"/>
+          </a:xfrm>
+        </p:grpSpPr>
+        <p:grpSp>
+          <p:nvGrpSpPr>
+            <p:cNvPr id="2" name="Group 1"/>
+            <p:cNvGrpSpPr/>
+            <p:nvPr/>
+          </p:nvGrpSpPr>
+          <p:grpSpPr>
+            <a:xfrm>
+              <a:off x="423396" y="2095500"/>
+              <a:ext cx="1938804" cy="3860800"/>
+              <a:chOff x="423396" y="2095500"/>
+              <a:chExt cx="1938804" cy="3860800"/>
+            </a:xfrm>
+          </p:grpSpPr>
+          <p:sp>
+            <p:nvSpPr>
+              <p:cNvPr id="154643" name="Oval 19"/>
+              <p:cNvSpPr>
+                <a:spLocks noChangeArrowheads="1"/>
+              </p:cNvSpPr>
+              <p:nvPr/>
+            </p:nvSpPr>
+            <p:spPr bwMode="auto">
+              <a:xfrm>
+                <a:off x="1270000" y="2095500"/>
+                <a:ext cx="1092200" cy="3860800"/>
+              </a:xfrm>
+              <a:prstGeom prst="ellipse">
+                <a:avLst/>
+              </a:prstGeom>
+              <a:solidFill>
+                <a:srgbClr val="92D050"/>
+              </a:solidFill>
+              <a:ln w="9525">
+                <a:solidFill>
+                  <a:schemeClr val="tx1"/>
+                </a:solidFill>
+                <a:round/>
+                <a:headEnd/>
+                <a:tailEnd/>
+              </a:ln>
+              <a:effectLst/>
+            </p:spPr>
+            <p:txBody>
+              <a:bodyPr wrap="none" anchor="ctr"/>
+              <a:lstStyle/>
+              <a:p>
+                <a:pPr algn="ctr"/>
+                <a:endParaRPr lang="en-US" dirty="0">
+                  <a:latin typeface="Comic Sans MS"/>
+                  <a:cs typeface="Comic Sans MS"/>
+                </a:endParaRPr>
+              </a:p>
+            </p:txBody>
+          </p:sp>
+          <p:sp>
+            <p:nvSpPr>
+              <p:cNvPr id="31" name="Text Box 22"/>
+              <p:cNvSpPr txBox="1">
+                <a:spLocks noChangeArrowheads="1"/>
+              </p:cNvSpPr>
+              <p:nvPr/>
+            </p:nvSpPr>
+            <p:spPr bwMode="auto">
+              <a:xfrm>
+                <a:off x="423396" y="3348040"/>
+                <a:ext cx="803425" cy="1107996"/>
+              </a:xfrm>
+              <a:prstGeom prst="rect">
+                <a:avLst/>
+              </a:prstGeom>
+              <a:noFill/>
+              <a:ln w="9525">
+                <a:noFill/>
+                <a:miter lim="800000"/>
+                <a:headEnd/>
+                <a:tailEnd/>
+              </a:ln>
+              <a:effectLst/>
+            </p:spPr>
+            <p:txBody>
+              <a:bodyPr wrap="square">
+                <a:spAutoFit/>
+              </a:bodyPr>
+              <a:lstStyle/>
+              <a:p>
+                <a:r>
+                  <a:rPr lang="en-US" sz="6600" dirty="0">
+                    <a:solidFill>
+                      <a:srgbClr val="0000FF"/>
+                    </a:solidFill>
+                    <a:latin typeface="Comic Sans MS" pitchFamily="66" charset="0"/>
+                    <a:cs typeface="Comic Sans MS"/>
+                  </a:rPr>
+                  <a:t>A</a:t>
+                </a:r>
+              </a:p>
+            </p:txBody>
+          </p:sp>
+        </p:grpSp>
+        <p:sp>
+          <p:nvSpPr>
+            <p:cNvPr id="154638" name="Oval 14"/>
+            <p:cNvSpPr>
+              <a:spLocks noChangeArrowheads="1"/>
+            </p:cNvSpPr>
+            <p:nvPr/>
+          </p:nvSpPr>
+          <p:spPr bwMode="auto">
+            <a:xfrm>
+              <a:off x="1701800" y="3175000"/>
+              <a:ext cx="157163" cy="152400"/>
+            </a:xfrm>
+            <a:prstGeom prst="ellipse">
+              <a:avLst/>
+            </a:prstGeom>
+            <a:solidFill>
+              <a:srgbClr val="33CC33"/>
             </a:solidFill>
             <a:ln w="9525">
               <a:solidFill>
@@ -10393,6 +10881,362 @@
             </a:p>
           </p:txBody>
         </p:sp>
+        <p:sp>
+          <p:nvSpPr>
+            <p:cNvPr id="154639" name="Oval 15"/>
+            <p:cNvSpPr>
+              <a:spLocks noChangeArrowheads="1"/>
+            </p:cNvSpPr>
+            <p:nvPr/>
+          </p:nvSpPr>
+          <p:spPr bwMode="auto">
+            <a:xfrm>
+              <a:off x="1705432" y="3906160"/>
+              <a:ext cx="157163" cy="152400"/>
+            </a:xfrm>
+            <a:prstGeom prst="ellipse">
+              <a:avLst/>
+            </a:prstGeom>
+            <a:solidFill>
+              <a:srgbClr val="33CC33"/>
+            </a:solidFill>
+            <a:ln w="9525">
+              <a:solidFill>
+                <a:schemeClr val="tx1"/>
+              </a:solidFill>
+              <a:round/>
+              <a:headEnd/>
+              <a:tailEnd/>
+            </a:ln>
+            <a:effectLst/>
+          </p:spPr>
+          <p:txBody>
+            <a:bodyPr wrap="none" anchor="ctr"/>
+            <a:lstStyle/>
+            <a:p>
+              <a:endParaRPr lang="en-US" dirty="0">
+                <a:latin typeface="Comic Sans MS"/>
+                <a:cs typeface="Comic Sans MS"/>
+              </a:endParaRPr>
+            </a:p>
+          </p:txBody>
+        </p:sp>
+        <p:sp>
+          <p:nvSpPr>
+            <p:cNvPr id="154640" name="Oval 16"/>
+            <p:cNvSpPr>
+              <a:spLocks noChangeArrowheads="1"/>
+            </p:cNvSpPr>
+            <p:nvPr/>
+          </p:nvSpPr>
+          <p:spPr bwMode="auto">
+            <a:xfrm>
+              <a:off x="1765300" y="4648200"/>
+              <a:ext cx="157163" cy="152400"/>
+            </a:xfrm>
+            <a:prstGeom prst="ellipse">
+              <a:avLst/>
+            </a:prstGeom>
+            <a:solidFill>
+              <a:srgbClr val="33CC33"/>
+            </a:solidFill>
+            <a:ln w="9525">
+              <a:solidFill>
+                <a:schemeClr val="tx1"/>
+              </a:solidFill>
+              <a:round/>
+              <a:headEnd/>
+              <a:tailEnd/>
+            </a:ln>
+            <a:effectLst/>
+          </p:spPr>
+          <p:txBody>
+            <a:bodyPr wrap="none" anchor="ctr"/>
+            <a:lstStyle/>
+            <a:p>
+              <a:endParaRPr lang="en-US" dirty="0">
+                <a:latin typeface="Comic Sans MS"/>
+                <a:cs typeface="Comic Sans MS"/>
+              </a:endParaRPr>
+            </a:p>
+          </p:txBody>
+        </p:sp>
+        <p:sp>
+          <p:nvSpPr>
+            <p:cNvPr id="154641" name="Oval 17"/>
+            <p:cNvSpPr>
+              <a:spLocks noChangeArrowheads="1"/>
+            </p:cNvSpPr>
+            <p:nvPr/>
+          </p:nvSpPr>
+          <p:spPr bwMode="auto">
+            <a:xfrm>
+              <a:off x="1778000" y="5219700"/>
+              <a:ext cx="157163" cy="152400"/>
+            </a:xfrm>
+            <a:prstGeom prst="ellipse">
+              <a:avLst/>
+            </a:prstGeom>
+            <a:solidFill>
+              <a:srgbClr val="33CC33"/>
+            </a:solidFill>
+            <a:ln w="9525">
+              <a:solidFill>
+                <a:schemeClr val="tx1"/>
+              </a:solidFill>
+              <a:round/>
+              <a:headEnd/>
+              <a:tailEnd/>
+            </a:ln>
+            <a:effectLst/>
+          </p:spPr>
+          <p:txBody>
+            <a:bodyPr wrap="none" anchor="ctr"/>
+            <a:lstStyle/>
+            <a:p>
+              <a:endParaRPr lang="en-US" dirty="0">
+                <a:latin typeface="Comic Sans MS"/>
+                <a:cs typeface="Comic Sans MS"/>
+              </a:endParaRPr>
+            </a:p>
+          </p:txBody>
+        </p:sp>
+        <p:sp>
+          <p:nvSpPr>
+            <p:cNvPr id="154651" name="Oval 27"/>
+            <p:cNvSpPr>
+              <a:spLocks noChangeArrowheads="1"/>
+            </p:cNvSpPr>
+            <p:nvPr/>
+          </p:nvSpPr>
+          <p:spPr bwMode="auto">
+            <a:xfrm>
+              <a:off x="1765300" y="2616200"/>
+              <a:ext cx="157163" cy="152400"/>
+            </a:xfrm>
+            <a:prstGeom prst="ellipse">
+              <a:avLst/>
+            </a:prstGeom>
+            <a:solidFill>
+              <a:srgbClr val="00B050"/>
+            </a:solidFill>
+            <a:ln w="9525">
+              <a:solidFill>
+                <a:schemeClr val="tx1"/>
+              </a:solidFill>
+              <a:round/>
+              <a:headEnd/>
+              <a:tailEnd/>
+            </a:ln>
+            <a:effectLst/>
+          </p:spPr>
+          <p:txBody>
+            <a:bodyPr wrap="none" anchor="ctr"/>
+            <a:lstStyle/>
+            <a:p>
+              <a:endParaRPr lang="en-US" dirty="0">
+                <a:latin typeface="Comic Sans MS"/>
+                <a:cs typeface="Comic Sans MS"/>
+              </a:endParaRPr>
+            </a:p>
+          </p:txBody>
+        </p:sp>
+      </p:grpSp>
+      <p:sp>
+        <p:nvSpPr>
+          <p:cNvPr id="37" name="Rectangle 38"/>
+          <p:cNvSpPr>
+            <a:spLocks noGrp="1" noChangeArrowheads="1"/>
+          </p:cNvSpPr>
+          <p:nvPr>
+            <p:ph type="title"/>
+          </p:nvPr>
+        </p:nvSpPr>
+        <p:spPr>
+          <a:xfrm>
+            <a:off x="1502228" y="228600"/>
+            <a:ext cx="6955971" cy="1094014"/>
+          </a:xfrm>
+          <a:noFill/>
+          <a:ln/>
+        </p:spPr>
+        <p:txBody>
+          <a:bodyPr/>
+          <a:lstStyle/>
+          <a:p>
+            <a:r>
+              <a:rPr lang="en-US" sz="4400" dirty="0" err="1" smtClean="0">
+                <a:solidFill>
+                  <a:srgbClr val="0000FF"/>
+                </a:solidFill>
+              </a:rPr>
+              <a:t>bijection</a:t>
+            </a:r>
+            <a:r>
+              <a:rPr lang="en-US" sz="4400" dirty="0" smtClean="0">
+                <a:solidFill>
+                  <a:schemeClr val="tx1"/>
+                </a:solidFill>
+              </a:rPr>
+              <a:t> archery</a:t>
+            </a:r>
+            <a:endParaRPr lang="en-US" sz="4400" dirty="0">
+              <a:solidFill>
+                <a:schemeClr val="tx1"/>
+              </a:solidFill>
+            </a:endParaRPr>
+          </a:p>
+        </p:txBody>
+      </p:sp>
+      <p:sp>
+        <p:nvSpPr>
+          <p:cNvPr id="35" name="Text Box 31"/>
+          <p:cNvSpPr txBox="1">
+            <a:spLocks noChangeArrowheads="1"/>
+          </p:cNvSpPr>
+          <p:nvPr/>
+        </p:nvSpPr>
+        <p:spPr bwMode="auto">
+          <a:xfrm>
+            <a:off x="364378" y="1439957"/>
+            <a:ext cx="4063933" cy="584775"/>
+          </a:xfrm>
+          <a:prstGeom prst="rect">
+            <a:avLst/>
+          </a:prstGeom>
+          <a:noFill/>
+          <a:ln w="9525">
+            <a:noFill/>
+            <a:miter lim="800000"/>
+            <a:headEnd/>
+            <a:tailEnd/>
+          </a:ln>
+          <a:effectLst/>
+        </p:spPr>
+        <p:txBody>
+          <a:bodyPr wrap="none">
+            <a:spAutoFit/>
+          </a:bodyPr>
+          <a:lstStyle/>
+          <a:p>
+            <a:r>
+              <a:rPr lang="en-US" sz="3200" dirty="0">
+                <a:solidFill>
+                  <a:srgbClr val="7030A0"/>
+                </a:solidFill>
+                <a:latin typeface="Comic Sans MS" pitchFamily="66" charset="0"/>
+                <a:cs typeface="Comic Sans MS"/>
+              </a:rPr>
+              <a:t>exactly</a:t>
+            </a:r>
+            <a:r>
+              <a:rPr lang="en-US" sz="3200" dirty="0">
+                <a:solidFill>
+                  <a:srgbClr val="008000"/>
+                </a:solidFill>
+                <a:latin typeface="Comic Sans MS" pitchFamily="66" charset="0"/>
+                <a:cs typeface="Comic Sans MS"/>
+              </a:rPr>
+              <a:t> </a:t>
+            </a:r>
+            <a:r>
+              <a:rPr lang="en-US" sz="3200" b="1" dirty="0" smtClean="0">
+                <a:solidFill>
+                  <a:srgbClr val="008000"/>
+                </a:solidFill>
+                <a:latin typeface="Comic Sans MS" pitchFamily="66" charset="0"/>
+                <a:cs typeface="Comic Sans MS"/>
+              </a:rPr>
+              <a:t>1 arrow </a:t>
+            </a:r>
+            <a:r>
+              <a:rPr lang="en-US" sz="3200" b="1" dirty="0">
+                <a:solidFill>
+                  <a:srgbClr val="008000"/>
+                </a:solidFill>
+                <a:latin typeface="Comic Sans MS" pitchFamily="66" charset="0"/>
+                <a:cs typeface="Comic Sans MS"/>
+              </a:rPr>
+              <a:t>out</a:t>
+            </a:r>
+          </a:p>
+        </p:txBody>
+      </p:sp>
+      <p:sp>
+        <p:nvSpPr>
+          <p:cNvPr id="41" name="Text Box 32"/>
+          <p:cNvSpPr txBox="1">
+            <a:spLocks noChangeArrowheads="1"/>
+          </p:cNvSpPr>
+          <p:nvPr/>
+        </p:nvSpPr>
+        <p:spPr bwMode="auto">
+          <a:xfrm>
+            <a:off x="4902014" y="1428004"/>
+            <a:ext cx="3578224" cy="584775"/>
+          </a:xfrm>
+          <a:prstGeom prst="rect">
+            <a:avLst/>
+          </a:prstGeom>
+          <a:noFill/>
+          <a:ln w="9525">
+            <a:noFill/>
+            <a:miter lim="800000"/>
+            <a:headEnd/>
+            <a:tailEnd/>
+          </a:ln>
+          <a:effectLst/>
+        </p:spPr>
+        <p:txBody>
+          <a:bodyPr wrap="none">
+            <a:spAutoFit/>
+          </a:bodyPr>
+          <a:lstStyle/>
+          <a:p>
+            <a:r>
+              <a:rPr lang="en-US" sz="3200" dirty="0" smtClean="0">
+                <a:solidFill>
+                  <a:srgbClr val="7030A0"/>
+                </a:solidFill>
+                <a:latin typeface="Comic Sans MS" pitchFamily="66" charset="0"/>
+                <a:cs typeface="Comic Sans MS"/>
+              </a:rPr>
+              <a:t>exactly</a:t>
+            </a:r>
+            <a:r>
+              <a:rPr lang="en-US" sz="3200" dirty="0" smtClean="0">
+                <a:solidFill>
+                  <a:srgbClr val="008000"/>
+                </a:solidFill>
+                <a:latin typeface="Comic Sans MS" pitchFamily="66" charset="0"/>
+                <a:cs typeface="Comic Sans MS"/>
+              </a:rPr>
+              <a:t> 1 arrow in</a:t>
+            </a:r>
+            <a:endParaRPr lang="en-US" sz="3200" dirty="0">
+              <a:solidFill>
+                <a:srgbClr val="008000"/>
+              </a:solidFill>
+              <a:latin typeface="Comic Sans MS" pitchFamily="66" charset="0"/>
+              <a:cs typeface="Comic Sans MS"/>
+            </a:endParaRPr>
+          </a:p>
+        </p:txBody>
+      </p:sp>
+      <p:grpSp>
+        <p:nvGrpSpPr>
+          <p:cNvPr id="4" name="Group 3"/>
+          <p:cNvGrpSpPr/>
+          <p:nvPr/>
+        </p:nvGrpSpPr>
+        <p:grpSpPr>
+          <a:xfrm>
+            <a:off x="1749425" y="2679700"/>
+            <a:ext cx="5397500" cy="3098800"/>
+            <a:chOff x="1749425" y="2679700"/>
+            <a:chExt cx="5397500" cy="3098800"/>
+          </a:xfrm>
+        </p:grpSpPr>
         <p:cxnSp>
           <p:nvCxnSpPr>
             <p:cNvPr id="154632" name="AutoShape 8"/>
@@ -10485,6 +11329,36 @@
         </p:cxnSp>
         <p:cxnSp>
           <p:nvCxnSpPr>
+            <p:cNvPr id="154636" name="AutoShape 12"/>
+            <p:cNvCxnSpPr>
+              <a:cxnSpLocks noChangeShapeType="1"/>
+            </p:cNvCxnSpPr>
+            <p:nvPr/>
+          </p:nvCxnSpPr>
+          <p:spPr bwMode="auto">
+            <a:xfrm flipV="1">
+              <a:off x="1851025" y="4318000"/>
+              <a:ext cx="5092700" cy="952500"/>
+            </a:xfrm>
+            <a:prstGeom prst="straightConnector1">
+              <a:avLst/>
+            </a:prstGeom>
+            <a:solidFill>
+              <a:srgbClr val="F0A6E2"/>
+            </a:solidFill>
+            <a:ln w="19050">
+              <a:solidFill>
+                <a:schemeClr val="tx1"/>
+              </a:solidFill>
+              <a:round/>
+              <a:headEnd/>
+              <a:tailEnd type="stealth" w="lg" len="lg"/>
+            </a:ln>
+            <a:effectLst/>
+          </p:spPr>
+        </p:cxnSp>
+        <p:cxnSp>
+          <p:nvCxnSpPr>
             <p:cNvPr id="154635" name="AutoShape 11"/>
             <p:cNvCxnSpPr>
               <a:cxnSpLocks noChangeShapeType="1"/>
@@ -10513,39 +11387,59 @@
             <a:effectLst/>
           </p:spPr>
         </p:cxnSp>
-        <p:cxnSp>
-          <p:nvCxnSpPr>
-            <p:cNvPr id="154636" name="AutoShape 12"/>
-            <p:cNvCxnSpPr>
-              <a:cxnSpLocks noChangeShapeType="1"/>
-            </p:cNvCxnSpPr>
+      </p:grpSp>
+      <p:grpSp>
+        <p:nvGrpSpPr>
+          <p:cNvPr id="6" name="Group 5"/>
+          <p:cNvGrpSpPr/>
+          <p:nvPr/>
+        </p:nvGrpSpPr>
+        <p:grpSpPr>
+          <a:xfrm>
+            <a:off x="3398642" y="1900897"/>
+            <a:ext cx="1787874" cy="769441"/>
+            <a:chOff x="3398642" y="1900897"/>
+            <a:chExt cx="1787874" cy="769441"/>
+          </a:xfrm>
+        </p:grpSpPr>
+        <p:sp>
+          <p:nvSpPr>
+            <p:cNvPr id="5" name="TextBox 4"/>
+            <p:cNvSpPr txBox="1"/>
             <p:nvPr/>
-          </p:nvCxnSpPr>
-          <p:spPr bwMode="auto">
-            <a:xfrm flipV="1">
-              <a:off x="1851025" y="4318000"/>
-              <a:ext cx="5092700" cy="952500"/>
+          </p:nvSpPr>
+          <p:spPr>
+            <a:xfrm>
+              <a:off x="3398642" y="1900897"/>
+              <a:ext cx="1509899" cy="769441"/>
             </a:xfrm>
-            <a:prstGeom prst="straightConnector1">
+            <a:prstGeom prst="rect">
               <a:avLst/>
             </a:prstGeom>
-            <a:solidFill>
-              <a:srgbClr val="F0A6E2"/>
-            </a:solidFill>
-            <a:ln w="19050">
-              <a:solidFill>
-                <a:schemeClr val="tx1"/>
-              </a:solidFill>
-              <a:round/>
-              <a:headEnd/>
-              <a:tailEnd type="stealth" w="lg" len="lg"/>
-            </a:ln>
-            <a:effectLst/>
+            <a:noFill/>
           </p:spPr>
-        </p:cxnSp>
+          <p:txBody>
+            <a:bodyPr wrap="none" rtlCol="0">
+              <a:spAutoFit/>
+            </a:bodyPr>
+            <a:lstStyle/>
+            <a:p>
+              <a:r>
+                <a:rPr lang="en-US" sz="4400" dirty="0" smtClean="0">
+                  <a:solidFill>
+                    <a:srgbClr val="0000FF"/>
+                  </a:solidFill>
+                  <a:latin typeface="Comic Sans MS"/>
+                  <a:cs typeface="Comic Sans MS"/>
+                </a:rPr>
+                <a:t>f( ) =</a:t>
+              </a:r>
+            </a:p>
+          </p:txBody>
+        </p:sp>
         <p:sp>
           <p:nvSpPr>
-            <p:cNvPr id="154637" name="Oval 13"/>
+            <p:cNvPr id="33" name="Oval 17"/>
             <p:cNvSpPr>
               <a:spLocks noChangeArrowheads="1"/>
             </p:cNvSpPr>
@@ -10553,48 +11447,8 @@
           </p:nvSpPr>
           <p:spPr bwMode="auto">
             <a:xfrm>
-              <a:off x="1765300" y="2616200"/>
-              <a:ext cx="157163" cy="152400"/>
-            </a:xfrm>
-            <a:prstGeom prst="ellipse">
-              <a:avLst/>
-            </a:prstGeom>
-            <a:solidFill>
-              <a:srgbClr val="F0A6E2"/>
-            </a:solidFill>
-            <a:ln w="9525">
-              <a:solidFill>
-                <a:schemeClr val="tx1"/>
-              </a:solidFill>
-              <a:round/>
-              <a:headEnd/>
-              <a:tailEnd/>
-            </a:ln>
-            <a:effectLst/>
-          </p:spPr>
-          <p:txBody>
-            <a:bodyPr wrap="none" anchor="ctr"/>
-            <a:lstStyle/>
-            <a:p>
-              <a:endParaRPr lang="en-US" dirty="0">
-                <a:latin typeface="Comic Sans MS"/>
-                <a:cs typeface="Comic Sans MS"/>
-              </a:endParaRPr>
-            </a:p>
-          </p:txBody>
-        </p:sp>
-        <p:sp>
-          <p:nvSpPr>
-            <p:cNvPr id="154638" name="Oval 14"/>
-            <p:cNvSpPr>
-              <a:spLocks noChangeArrowheads="1"/>
-            </p:cNvSpPr>
-            <p:nvPr/>
-          </p:nvSpPr>
-          <p:spPr bwMode="auto">
-            <a:xfrm>
-              <a:off x="1701800" y="3175000"/>
-              <a:ext cx="157163" cy="152400"/>
+              <a:off x="3937819" y="2225777"/>
+              <a:ext cx="240891" cy="224093"/>
             </a:xfrm>
             <a:prstGeom prst="ellipse">
               <a:avLst/>
@@ -10625,7 +11479,7 @@
         </p:sp>
         <p:sp>
           <p:nvSpPr>
-            <p:cNvPr id="154639" name="Oval 15"/>
+            <p:cNvPr id="34" name="Oval 22"/>
             <p:cNvSpPr>
               <a:spLocks noChangeArrowheads="1"/>
             </p:cNvSpPr>
@@ -10633,128 +11487,8 @@
           </p:nvSpPr>
           <p:spPr bwMode="auto">
             <a:xfrm>
-              <a:off x="1705432" y="3906160"/>
-              <a:ext cx="157163" cy="152400"/>
-            </a:xfrm>
-            <a:prstGeom prst="ellipse">
-              <a:avLst/>
-            </a:prstGeom>
-            <a:solidFill>
-              <a:srgbClr val="33CC33"/>
-            </a:solidFill>
-            <a:ln w="9525">
-              <a:solidFill>
-                <a:schemeClr val="tx1"/>
-              </a:solidFill>
-              <a:round/>
-              <a:headEnd/>
-              <a:tailEnd/>
-            </a:ln>
-            <a:effectLst/>
-          </p:spPr>
-          <p:txBody>
-            <a:bodyPr wrap="none" anchor="ctr"/>
-            <a:lstStyle/>
-            <a:p>
-              <a:endParaRPr lang="en-US" dirty="0">
-                <a:latin typeface="Comic Sans MS"/>
-                <a:cs typeface="Comic Sans MS"/>
-              </a:endParaRPr>
-            </a:p>
-          </p:txBody>
-        </p:sp>
-        <p:sp>
-          <p:nvSpPr>
-            <p:cNvPr id="154640" name="Oval 16"/>
-            <p:cNvSpPr>
-              <a:spLocks noChangeArrowheads="1"/>
-            </p:cNvSpPr>
-            <p:nvPr/>
-          </p:nvSpPr>
-          <p:spPr bwMode="auto">
-            <a:xfrm>
-              <a:off x="1765300" y="4648200"/>
-              <a:ext cx="157163" cy="152400"/>
-            </a:xfrm>
-            <a:prstGeom prst="ellipse">
-              <a:avLst/>
-            </a:prstGeom>
-            <a:solidFill>
-              <a:srgbClr val="33CC33"/>
-            </a:solidFill>
-            <a:ln w="9525">
-              <a:solidFill>
-                <a:schemeClr val="tx1"/>
-              </a:solidFill>
-              <a:round/>
-              <a:headEnd/>
-              <a:tailEnd/>
-            </a:ln>
-            <a:effectLst/>
-          </p:spPr>
-          <p:txBody>
-            <a:bodyPr wrap="none" anchor="ctr"/>
-            <a:lstStyle/>
-            <a:p>
-              <a:endParaRPr lang="en-US" dirty="0">
-                <a:latin typeface="Comic Sans MS"/>
-                <a:cs typeface="Comic Sans MS"/>
-              </a:endParaRPr>
-            </a:p>
-          </p:txBody>
-        </p:sp>
-        <p:sp>
-          <p:nvSpPr>
-            <p:cNvPr id="154641" name="Oval 17"/>
-            <p:cNvSpPr>
-              <a:spLocks noChangeArrowheads="1"/>
-            </p:cNvSpPr>
-            <p:nvPr/>
-          </p:nvSpPr>
-          <p:spPr bwMode="auto">
-            <a:xfrm>
-              <a:off x="1778000" y="5219700"/>
-              <a:ext cx="157163" cy="152400"/>
-            </a:xfrm>
-            <a:prstGeom prst="ellipse">
-              <a:avLst/>
-            </a:prstGeom>
-            <a:solidFill>
-              <a:srgbClr val="33CC33"/>
-            </a:solidFill>
-            <a:ln w="9525">
-              <a:solidFill>
-                <a:schemeClr val="tx1"/>
-              </a:solidFill>
-              <a:round/>
-              <a:headEnd/>
-              <a:tailEnd/>
-            </a:ln>
-            <a:effectLst/>
-          </p:spPr>
-          <p:txBody>
-            <a:bodyPr wrap="none" anchor="ctr"/>
-            <a:lstStyle/>
-            <a:p>
-              <a:endParaRPr lang="en-US" dirty="0">
-                <a:latin typeface="Comic Sans MS"/>
-                <a:cs typeface="Comic Sans MS"/>
-              </a:endParaRPr>
-            </a:p>
-          </p:txBody>
-        </p:sp>
-        <p:sp>
-          <p:nvSpPr>
-            <p:cNvPr id="154642" name="Oval 18"/>
-            <p:cNvSpPr>
-              <a:spLocks noChangeArrowheads="1"/>
-            </p:cNvSpPr>
-            <p:nvPr/>
-          </p:nvSpPr>
-          <p:spPr bwMode="auto">
-            <a:xfrm>
-              <a:off x="6858000" y="2692400"/>
-              <a:ext cx="157163" cy="152400"/>
+              <a:off x="4955458" y="2193822"/>
+              <a:ext cx="231058" cy="247855"/>
             </a:xfrm>
             <a:prstGeom prst="ellipse">
               <a:avLst/>
@@ -10783,552 +11517,7 @@
             </a:p>
           </p:txBody>
         </p:sp>
-        <p:sp>
-          <p:nvSpPr>
-            <p:cNvPr id="154644" name="Oval 20"/>
-            <p:cNvSpPr>
-              <a:spLocks noChangeArrowheads="1"/>
-            </p:cNvSpPr>
-            <p:nvPr/>
-          </p:nvSpPr>
-          <p:spPr bwMode="auto">
-            <a:xfrm>
-              <a:off x="6946900" y="4254500"/>
-              <a:ext cx="157163" cy="152400"/>
-            </a:xfrm>
-            <a:prstGeom prst="ellipse">
-              <a:avLst/>
-            </a:prstGeom>
-            <a:solidFill>
-              <a:srgbClr val="E45ECA"/>
-            </a:solidFill>
-            <a:ln w="9525">
-              <a:solidFill>
-                <a:srgbClr val="FF3300"/>
-              </a:solidFill>
-              <a:round/>
-              <a:headEnd/>
-              <a:tailEnd/>
-            </a:ln>
-            <a:effectLst/>
-          </p:spPr>
-          <p:txBody>
-            <a:bodyPr wrap="none" anchor="ctr"/>
-            <a:lstStyle/>
-            <a:p>
-              <a:endParaRPr lang="en-US" dirty="0">
-                <a:latin typeface="Comic Sans MS"/>
-                <a:cs typeface="Comic Sans MS"/>
-              </a:endParaRPr>
-            </a:p>
-          </p:txBody>
-        </p:sp>
-        <p:sp>
-          <p:nvSpPr>
-            <p:cNvPr id="154645" name="Oval 21"/>
-            <p:cNvSpPr>
-              <a:spLocks noChangeArrowheads="1"/>
-            </p:cNvSpPr>
-            <p:nvPr/>
-          </p:nvSpPr>
-          <p:spPr bwMode="auto">
-            <a:xfrm>
-              <a:off x="7137400" y="3670300"/>
-              <a:ext cx="157163" cy="152400"/>
-            </a:xfrm>
-            <a:prstGeom prst="ellipse">
-              <a:avLst/>
-            </a:prstGeom>
-            <a:solidFill>
-              <a:srgbClr val="E45ECA"/>
-            </a:solidFill>
-            <a:ln w="9525">
-              <a:solidFill>
-                <a:srgbClr val="FF3300"/>
-              </a:solidFill>
-              <a:round/>
-              <a:headEnd/>
-              <a:tailEnd/>
-            </a:ln>
-            <a:effectLst/>
-          </p:spPr>
-          <p:txBody>
-            <a:bodyPr wrap="none" anchor="ctr"/>
-            <a:lstStyle/>
-            <a:p>
-              <a:endParaRPr lang="en-US" dirty="0">
-                <a:latin typeface="Comic Sans MS"/>
-                <a:cs typeface="Comic Sans MS"/>
-              </a:endParaRPr>
-            </a:p>
-          </p:txBody>
-        </p:sp>
-        <p:sp>
-          <p:nvSpPr>
-            <p:cNvPr id="154646" name="Oval 22"/>
-            <p:cNvSpPr>
-              <a:spLocks noChangeArrowheads="1"/>
-            </p:cNvSpPr>
-            <p:nvPr/>
-          </p:nvSpPr>
-          <p:spPr bwMode="auto">
-            <a:xfrm>
-              <a:off x="7162800" y="4991100"/>
-              <a:ext cx="157163" cy="152400"/>
-            </a:xfrm>
-            <a:prstGeom prst="ellipse">
-              <a:avLst/>
-            </a:prstGeom>
-            <a:solidFill>
-              <a:srgbClr val="E45ECA"/>
-            </a:solidFill>
-            <a:ln w="9525">
-              <a:solidFill>
-                <a:srgbClr val="FF3300"/>
-              </a:solidFill>
-              <a:round/>
-              <a:headEnd/>
-              <a:tailEnd/>
-            </a:ln>
-            <a:effectLst/>
-          </p:spPr>
-          <p:txBody>
-            <a:bodyPr wrap="none" anchor="ctr"/>
-            <a:lstStyle/>
-            <a:p>
-              <a:endParaRPr lang="en-US" dirty="0">
-                <a:latin typeface="Comic Sans MS"/>
-                <a:cs typeface="Comic Sans MS"/>
-              </a:endParaRPr>
-            </a:p>
-          </p:txBody>
-        </p:sp>
-        <p:sp>
-          <p:nvSpPr>
-            <p:cNvPr id="154651" name="Oval 27"/>
-            <p:cNvSpPr>
-              <a:spLocks noChangeArrowheads="1"/>
-            </p:cNvSpPr>
-            <p:nvPr/>
-          </p:nvSpPr>
-          <p:spPr bwMode="auto">
-            <a:xfrm>
-              <a:off x="1765300" y="2616200"/>
-              <a:ext cx="157163" cy="152400"/>
-            </a:xfrm>
-            <a:prstGeom prst="ellipse">
-              <a:avLst/>
-            </a:prstGeom>
-            <a:solidFill>
-              <a:srgbClr val="00B050"/>
-            </a:solidFill>
-            <a:ln w="9525">
-              <a:solidFill>
-                <a:schemeClr val="tx1"/>
-              </a:solidFill>
-              <a:round/>
-              <a:headEnd/>
-              <a:tailEnd/>
-            </a:ln>
-            <a:effectLst/>
-          </p:spPr>
-          <p:txBody>
-            <a:bodyPr wrap="none" anchor="ctr"/>
-            <a:lstStyle/>
-            <a:p>
-              <a:endParaRPr lang="en-US" dirty="0">
-                <a:latin typeface="Comic Sans MS"/>
-                <a:cs typeface="Comic Sans MS"/>
-              </a:endParaRPr>
-            </a:p>
-          </p:txBody>
-        </p:sp>
-        <p:sp>
-          <p:nvSpPr>
-            <p:cNvPr id="154656" name="Oval 32"/>
-            <p:cNvSpPr>
-              <a:spLocks noChangeArrowheads="1"/>
-            </p:cNvSpPr>
-            <p:nvPr/>
-          </p:nvSpPr>
-          <p:spPr bwMode="auto">
-            <a:xfrm>
-              <a:off x="7099300" y="2387600"/>
-              <a:ext cx="157163" cy="152400"/>
-            </a:xfrm>
-            <a:prstGeom prst="ellipse">
-              <a:avLst/>
-            </a:prstGeom>
-            <a:solidFill>
-              <a:srgbClr val="F0A6E2"/>
-            </a:solidFill>
-            <a:ln w="9525">
-              <a:noFill/>
-              <a:round/>
-              <a:headEnd/>
-              <a:tailEnd/>
-            </a:ln>
-            <a:effectLst/>
-          </p:spPr>
-          <p:txBody>
-            <a:bodyPr wrap="none" anchor="ctr"/>
-            <a:lstStyle/>
-            <a:p>
-              <a:endParaRPr lang="en-US" dirty="0">
-                <a:latin typeface="Comic Sans MS"/>
-                <a:cs typeface="Comic Sans MS"/>
-              </a:endParaRPr>
-            </a:p>
-          </p:txBody>
-        </p:sp>
-        <p:sp>
-          <p:nvSpPr>
-            <p:cNvPr id="154657" name="Oval 33"/>
-            <p:cNvSpPr>
-              <a:spLocks noChangeArrowheads="1"/>
-            </p:cNvSpPr>
-            <p:nvPr/>
-          </p:nvSpPr>
-          <p:spPr bwMode="auto">
-            <a:xfrm>
-              <a:off x="7175500" y="3175000"/>
-              <a:ext cx="157163" cy="152400"/>
-            </a:xfrm>
-            <a:prstGeom prst="ellipse">
-              <a:avLst/>
-            </a:prstGeom>
-            <a:solidFill>
-              <a:srgbClr val="F0A6E2"/>
-            </a:solidFill>
-            <a:ln w="9525">
-              <a:noFill/>
-              <a:round/>
-              <a:headEnd/>
-              <a:tailEnd/>
-            </a:ln>
-            <a:effectLst/>
-          </p:spPr>
-          <p:txBody>
-            <a:bodyPr wrap="none" anchor="ctr"/>
-            <a:lstStyle/>
-            <a:p>
-              <a:endParaRPr lang="en-US" dirty="0">
-                <a:latin typeface="Comic Sans MS"/>
-                <a:cs typeface="Comic Sans MS"/>
-              </a:endParaRPr>
-            </a:p>
-          </p:txBody>
-        </p:sp>
-        <p:sp>
-          <p:nvSpPr>
-            <p:cNvPr id="31" name="Text Box 22"/>
-            <p:cNvSpPr txBox="1">
-              <a:spLocks noChangeArrowheads="1"/>
-            </p:cNvSpPr>
-            <p:nvPr/>
-          </p:nvSpPr>
-          <p:spPr bwMode="auto">
-            <a:xfrm>
-              <a:off x="423396" y="3348040"/>
-              <a:ext cx="803425" cy="1107996"/>
-            </a:xfrm>
-            <a:prstGeom prst="rect">
-              <a:avLst/>
-            </a:prstGeom>
-            <a:noFill/>
-            <a:ln w="9525">
-              <a:noFill/>
-              <a:miter lim="800000"/>
-              <a:headEnd/>
-              <a:tailEnd/>
-            </a:ln>
-            <a:effectLst/>
-          </p:spPr>
-          <p:txBody>
-            <a:bodyPr wrap="square">
-              <a:spAutoFit/>
-            </a:bodyPr>
-            <a:lstStyle/>
-            <a:p>
-              <a:r>
-                <a:rPr lang="en-US" sz="6600" dirty="0">
-                  <a:solidFill>
-                    <a:srgbClr val="0000FF"/>
-                  </a:solidFill>
-                  <a:latin typeface="Comic Sans MS" pitchFamily="66" charset="0"/>
-                  <a:cs typeface="Comic Sans MS"/>
-                </a:rPr>
-                <a:t>A</a:t>
-              </a:r>
-            </a:p>
-          </p:txBody>
-        </p:sp>
-        <p:sp>
-          <p:nvSpPr>
-            <p:cNvPr id="32" name="Text Box 23"/>
-            <p:cNvSpPr txBox="1">
-              <a:spLocks noChangeArrowheads="1"/>
-            </p:cNvSpPr>
-            <p:nvPr/>
-          </p:nvSpPr>
-          <p:spPr bwMode="auto">
-            <a:xfrm>
-              <a:off x="7921625" y="3411538"/>
-              <a:ext cx="718466" cy="1107996"/>
-            </a:xfrm>
-            <a:prstGeom prst="rect">
-              <a:avLst/>
-            </a:prstGeom>
-            <a:noFill/>
-            <a:ln w="9525">
-              <a:noFill/>
-              <a:miter lim="800000"/>
-              <a:headEnd/>
-              <a:tailEnd/>
-            </a:ln>
-            <a:effectLst/>
-          </p:spPr>
-          <p:txBody>
-            <a:bodyPr wrap="none">
-              <a:spAutoFit/>
-            </a:bodyPr>
-            <a:lstStyle/>
-            <a:p>
-              <a:r>
-                <a:rPr lang="en-US" sz="6600" dirty="0">
-                  <a:solidFill>
-                    <a:srgbClr val="0000FF"/>
-                  </a:solidFill>
-                  <a:latin typeface="Comic Sans MS" pitchFamily="66" charset="0"/>
-                  <a:cs typeface="Comic Sans MS"/>
-                </a:rPr>
-                <a:t>B</a:t>
-              </a:r>
-            </a:p>
-          </p:txBody>
-        </p:sp>
-        <p:sp>
-          <p:nvSpPr>
-            <p:cNvPr id="154647" name="Oval 23"/>
-            <p:cNvSpPr>
-              <a:spLocks noChangeArrowheads="1"/>
-            </p:cNvSpPr>
-            <p:nvPr/>
-          </p:nvSpPr>
-          <p:spPr bwMode="auto">
-            <a:xfrm>
-              <a:off x="7150100" y="5715000"/>
-              <a:ext cx="157163" cy="152400"/>
-            </a:xfrm>
-            <a:prstGeom prst="ellipse">
-              <a:avLst/>
-            </a:prstGeom>
-            <a:solidFill>
-              <a:srgbClr val="E45ECA"/>
-            </a:solidFill>
-            <a:ln w="9525">
-              <a:solidFill>
-                <a:srgbClr val="FF3300"/>
-              </a:solidFill>
-              <a:round/>
-              <a:headEnd/>
-              <a:tailEnd/>
-            </a:ln>
-            <a:effectLst/>
-          </p:spPr>
-          <p:txBody>
-            <a:bodyPr wrap="none" anchor="ctr"/>
-            <a:lstStyle/>
-            <a:p>
-              <a:endParaRPr lang="en-US" dirty="0">
-                <a:latin typeface="Comic Sans MS"/>
-                <a:cs typeface="Comic Sans MS"/>
-              </a:endParaRPr>
-            </a:p>
-          </p:txBody>
-        </p:sp>
       </p:grpSp>
-      <p:sp>
-        <p:nvSpPr>
-          <p:cNvPr id="37" name="Rectangle 38"/>
-          <p:cNvSpPr>
-            <a:spLocks noGrp="1" noChangeArrowheads="1"/>
-          </p:cNvSpPr>
-          <p:nvPr>
-            <p:ph type="title"/>
-          </p:nvPr>
-        </p:nvSpPr>
-        <p:spPr>
-          <a:xfrm>
-            <a:off x="1502228" y="228600"/>
-            <a:ext cx="6955971" cy="1094014"/>
-          </a:xfrm>
-          <a:noFill/>
-          <a:ln/>
-        </p:spPr>
-        <p:txBody>
-          <a:bodyPr/>
-          <a:lstStyle/>
-          <a:p>
-            <a:r>
-              <a:rPr lang="en-US" sz="4400" dirty="0" err="1" smtClean="0">
-                <a:solidFill>
-                  <a:srgbClr val="0000FF"/>
-                </a:solidFill>
-              </a:rPr>
-              <a:t>bijection</a:t>
-            </a:r>
-            <a:r>
-              <a:rPr lang="en-US" sz="4400" dirty="0" smtClean="0">
-                <a:solidFill>
-                  <a:schemeClr val="tx1"/>
-                </a:solidFill>
-              </a:rPr>
-              <a:t> archery</a:t>
-            </a:r>
-            <a:endParaRPr lang="en-US" sz="4400" dirty="0">
-              <a:solidFill>
-                <a:schemeClr val="tx1"/>
-              </a:solidFill>
-            </a:endParaRPr>
-          </a:p>
-        </p:txBody>
-      </p:sp>
-      <p:sp>
-        <p:nvSpPr>
-          <p:cNvPr id="35" name="Text Box 31"/>
-          <p:cNvSpPr txBox="1">
-            <a:spLocks noChangeArrowheads="1"/>
-          </p:cNvSpPr>
-          <p:nvPr/>
-        </p:nvSpPr>
-        <p:spPr bwMode="auto">
-          <a:xfrm>
-            <a:off x="364378" y="1439957"/>
-            <a:ext cx="4063933" cy="584775"/>
-          </a:xfrm>
-          <a:prstGeom prst="rect">
-            <a:avLst/>
-          </a:prstGeom>
-          <a:noFill/>
-          <a:ln w="9525">
-            <a:noFill/>
-            <a:miter lim="800000"/>
-            <a:headEnd/>
-            <a:tailEnd/>
-          </a:ln>
-          <a:effectLst/>
-        </p:spPr>
-        <p:txBody>
-          <a:bodyPr wrap="none">
-            <a:spAutoFit/>
-          </a:bodyPr>
-          <a:lstStyle/>
-          <a:p>
-            <a:r>
-              <a:rPr lang="en-US" sz="3200" dirty="0">
-                <a:solidFill>
-                  <a:srgbClr val="7030A0"/>
-                </a:solidFill>
-                <a:latin typeface="Comic Sans MS" pitchFamily="66" charset="0"/>
-                <a:cs typeface="Comic Sans MS"/>
-              </a:rPr>
-              <a:t>exactly</a:t>
-            </a:r>
-            <a:r>
-              <a:rPr lang="en-US" sz="3200" dirty="0">
-                <a:solidFill>
-                  <a:srgbClr val="008000"/>
-                </a:solidFill>
-                <a:latin typeface="Comic Sans MS" pitchFamily="66" charset="0"/>
-                <a:cs typeface="Comic Sans MS"/>
-              </a:rPr>
-              <a:t> </a:t>
-            </a:r>
-            <a:r>
-              <a:rPr lang="en-US" sz="3200" b="1" dirty="0" smtClean="0">
-                <a:solidFill>
-                  <a:srgbClr val="008000"/>
-                </a:solidFill>
-                <a:latin typeface="Comic Sans MS" pitchFamily="66" charset="0"/>
-                <a:cs typeface="Comic Sans MS"/>
-              </a:rPr>
-              <a:t>1 arrow </a:t>
-            </a:r>
-            <a:r>
-              <a:rPr lang="en-US" sz="3200" b="1" dirty="0">
-                <a:solidFill>
-                  <a:srgbClr val="008000"/>
-                </a:solidFill>
-                <a:latin typeface="Comic Sans MS" pitchFamily="66" charset="0"/>
-                <a:cs typeface="Comic Sans MS"/>
-              </a:rPr>
-              <a:t>out</a:t>
-            </a:r>
-          </a:p>
-        </p:txBody>
-      </p:sp>
-      <p:sp>
-        <p:nvSpPr>
-          <p:cNvPr id="41" name="Text Box 32"/>
-          <p:cNvSpPr txBox="1">
-            <a:spLocks noChangeArrowheads="1"/>
-          </p:cNvSpPr>
-          <p:nvPr/>
-        </p:nvSpPr>
-        <p:spPr bwMode="auto">
-          <a:xfrm>
-            <a:off x="4902014" y="1428004"/>
-            <a:ext cx="3578224" cy="584775"/>
-          </a:xfrm>
-          <a:prstGeom prst="rect">
-            <a:avLst/>
-          </a:prstGeom>
-          <a:noFill/>
-          <a:ln w="9525">
-            <a:noFill/>
-            <a:miter lim="800000"/>
-            <a:headEnd/>
-            <a:tailEnd/>
-          </a:ln>
-          <a:effectLst/>
-        </p:spPr>
-        <p:txBody>
-          <a:bodyPr wrap="none">
-            <a:spAutoFit/>
-          </a:bodyPr>
-          <a:lstStyle/>
-          <a:p>
-            <a:r>
-              <a:rPr lang="en-US" sz="3200" dirty="0" smtClean="0">
-                <a:solidFill>
-                  <a:srgbClr val="7030A0"/>
-                </a:solidFill>
-                <a:latin typeface="Comic Sans MS" pitchFamily="66" charset="0"/>
-                <a:cs typeface="Comic Sans MS"/>
-              </a:rPr>
-              <a:t>exactly</a:t>
-            </a:r>
-            <a:r>
-              <a:rPr lang="en-US" sz="3200" dirty="0" smtClean="0">
-                <a:solidFill>
-                  <a:srgbClr val="008000"/>
-                </a:solidFill>
-                <a:latin typeface="Comic Sans MS" pitchFamily="66" charset="0"/>
-                <a:cs typeface="Comic Sans MS"/>
-              </a:rPr>
-              <a:t> 1 arrow in</a:t>
-            </a:r>
-            <a:endParaRPr lang="en-US" sz="3200" dirty="0">
-              <a:solidFill>
-                <a:srgbClr val="008000"/>
-              </a:solidFill>
-              <a:latin typeface="Comic Sans MS" pitchFamily="66" charset="0"/>
-              <a:cs typeface="Comic Sans MS"/>
-            </a:endParaRPr>
-          </a:p>
-        </p:txBody>
-      </p:sp>
     </p:spTree>
   </p:cSld>
   <p:clrMapOvr>
@@ -11340,9 +11529,354 @@
   <p:timing>
     <p:tnLst>
       <p:par>
-        <p:cTn xmlns:p14="http://schemas.microsoft.com/office/powerpoint/2010/main" id="1" dur="indefinite" restart="never" nodeType="tmRoot"/>
+        <p:cTn xmlns:p14="http://schemas.microsoft.com/office/powerpoint/2010/main" id="1" dur="indefinite" restart="never" nodeType="tmRoot">
+          <p:childTnLst>
+            <p:seq concurrent="1" nextAc="seek">
+              <p:cTn id="2" dur="indefinite" nodeType="mainSeq">
+                <p:childTnLst>
+                  <p:par>
+                    <p:cTn id="3" fill="hold">
+                      <p:stCondLst>
+                        <p:cond delay="indefinite"/>
+                      </p:stCondLst>
+                      <p:childTnLst>
+                        <p:par>
+                          <p:cTn id="4" fill="hold">
+                            <p:stCondLst>
+                              <p:cond delay="0"/>
+                            </p:stCondLst>
+                            <p:childTnLst>
+                              <p:par>
+                                <p:cTn id="5" presetID="9" presetClass="entr" presetSubtype="0" fill="hold" nodeType="clickEffect">
+                                  <p:stCondLst>
+                                    <p:cond delay="0"/>
+                                  </p:stCondLst>
+                                  <p:childTnLst>
+                                    <p:set>
+                                      <p:cBhvr>
+                                        <p:cTn id="6" dur="1" fill="hold">
+                                          <p:stCondLst>
+                                            <p:cond delay="0"/>
+                                          </p:stCondLst>
+                                        </p:cTn>
+                                        <p:tgtEl>
+                                          <p:spTgt spid="7"/>
+                                        </p:tgtEl>
+                                        <p:attrNameLst>
+                                          <p:attrName>style.visibility</p:attrName>
+                                        </p:attrNameLst>
+                                      </p:cBhvr>
+                                      <p:to>
+                                        <p:strVal val="visible"/>
+                                      </p:to>
+                                    </p:set>
+                                    <p:animEffect transition="in" filter="dissolve">
+                                      <p:cBhvr>
+                                        <p:cTn id="7" dur="500"/>
+                                        <p:tgtEl>
+                                          <p:spTgt spid="7"/>
+                                        </p:tgtEl>
+                                      </p:cBhvr>
+                                    </p:animEffect>
+                                  </p:childTnLst>
+                                </p:cTn>
+                              </p:par>
+                            </p:childTnLst>
+                          </p:cTn>
+                        </p:par>
+                      </p:childTnLst>
+                    </p:cTn>
+                  </p:par>
+                  <p:par>
+                    <p:cTn id="8" fill="hold">
+                      <p:stCondLst>
+                        <p:cond delay="indefinite"/>
+                      </p:stCondLst>
+                      <p:childTnLst>
+                        <p:par>
+                          <p:cTn id="9" fill="hold">
+                            <p:stCondLst>
+                              <p:cond delay="0"/>
+                            </p:stCondLst>
+                            <p:childTnLst>
+                              <p:par>
+                                <p:cTn id="10" presetID="9" presetClass="entr" presetSubtype="0" fill="hold" nodeType="clickEffect">
+                                  <p:stCondLst>
+                                    <p:cond delay="0"/>
+                                  </p:stCondLst>
+                                  <p:childTnLst>
+                                    <p:set>
+                                      <p:cBhvr>
+                                        <p:cTn id="11" dur="1" fill="hold">
+                                          <p:stCondLst>
+                                            <p:cond delay="0"/>
+                                          </p:stCondLst>
+                                        </p:cTn>
+                                        <p:tgtEl>
+                                          <p:spTgt spid="9"/>
+                                        </p:tgtEl>
+                                        <p:attrNameLst>
+                                          <p:attrName>style.visibility</p:attrName>
+                                        </p:attrNameLst>
+                                      </p:cBhvr>
+                                      <p:to>
+                                        <p:strVal val="visible"/>
+                                      </p:to>
+                                    </p:set>
+                                    <p:animEffect transition="in" filter="dissolve">
+                                      <p:cBhvr>
+                                        <p:cTn id="12" dur="500"/>
+                                        <p:tgtEl>
+                                          <p:spTgt spid="9"/>
+                                        </p:tgtEl>
+                                      </p:cBhvr>
+                                    </p:animEffect>
+                                  </p:childTnLst>
+                                </p:cTn>
+                              </p:par>
+                            </p:childTnLst>
+                          </p:cTn>
+                        </p:par>
+                      </p:childTnLst>
+                    </p:cTn>
+                  </p:par>
+                  <p:par>
+                    <p:cTn id="13" fill="hold">
+                      <p:stCondLst>
+                        <p:cond delay="indefinite"/>
+                      </p:stCondLst>
+                      <p:childTnLst>
+                        <p:par>
+                          <p:cTn id="14" fill="hold">
+                            <p:stCondLst>
+                              <p:cond delay="0"/>
+                            </p:stCondLst>
+                            <p:childTnLst>
+                              <p:par>
+                                <p:cTn id="15" presetID="22" presetClass="entr" presetSubtype="8" fill="hold" nodeType="clickEffect">
+                                  <p:stCondLst>
+                                    <p:cond delay="0"/>
+                                  </p:stCondLst>
+                                  <p:childTnLst>
+                                    <p:set>
+                                      <p:cBhvr>
+                                        <p:cTn id="16" dur="1" fill="hold">
+                                          <p:stCondLst>
+                                            <p:cond delay="0"/>
+                                          </p:stCondLst>
+                                        </p:cTn>
+                                        <p:tgtEl>
+                                          <p:spTgt spid="6"/>
+                                        </p:tgtEl>
+                                        <p:attrNameLst>
+                                          <p:attrName>style.visibility</p:attrName>
+                                        </p:attrNameLst>
+                                      </p:cBhvr>
+                                      <p:to>
+                                        <p:strVal val="visible"/>
+                                      </p:to>
+                                    </p:set>
+                                    <p:animEffect transition="in" filter="wipe(left)">
+                                      <p:cBhvr>
+                                        <p:cTn id="17" dur="500"/>
+                                        <p:tgtEl>
+                                          <p:spTgt spid="6"/>
+                                        </p:tgtEl>
+                                      </p:cBhvr>
+                                    </p:animEffect>
+                                  </p:childTnLst>
+                                </p:cTn>
+                              </p:par>
+                            </p:childTnLst>
+                          </p:cTn>
+                        </p:par>
+                      </p:childTnLst>
+                    </p:cTn>
+                  </p:par>
+                  <p:par>
+                    <p:cTn id="18" fill="hold">
+                      <p:stCondLst>
+                        <p:cond delay="indefinite"/>
+                      </p:stCondLst>
+                      <p:childTnLst>
+                        <p:par>
+                          <p:cTn id="19" fill="hold">
+                            <p:stCondLst>
+                              <p:cond delay="0"/>
+                            </p:stCondLst>
+                            <p:childTnLst>
+                              <p:par>
+                                <p:cTn id="20" presetID="22" presetClass="entr" presetSubtype="8" fill="hold" nodeType="clickEffect">
+                                  <p:stCondLst>
+                                    <p:cond delay="0"/>
+                                  </p:stCondLst>
+                                  <p:childTnLst>
+                                    <p:set>
+                                      <p:cBhvr>
+                                        <p:cTn id="21" dur="1" fill="hold">
+                                          <p:stCondLst>
+                                            <p:cond delay="0"/>
+                                          </p:stCondLst>
+                                        </p:cTn>
+                                        <p:tgtEl>
+                                          <p:spTgt spid="4"/>
+                                        </p:tgtEl>
+                                        <p:attrNameLst>
+                                          <p:attrName>style.visibility</p:attrName>
+                                        </p:attrNameLst>
+                                      </p:cBhvr>
+                                      <p:to>
+                                        <p:strVal val="visible"/>
+                                      </p:to>
+                                    </p:set>
+                                    <p:animEffect transition="in" filter="wipe(left)">
+                                      <p:cBhvr>
+                                        <p:cTn id="22" dur="500"/>
+                                        <p:tgtEl>
+                                          <p:spTgt spid="4"/>
+                                        </p:tgtEl>
+                                      </p:cBhvr>
+                                    </p:animEffect>
+                                  </p:childTnLst>
+                                </p:cTn>
+                              </p:par>
+                            </p:childTnLst>
+                          </p:cTn>
+                        </p:par>
+                      </p:childTnLst>
+                    </p:cTn>
+                  </p:par>
+                  <p:par>
+                    <p:cTn id="23" fill="hold">
+                      <p:stCondLst>
+                        <p:cond delay="indefinite"/>
+                      </p:stCondLst>
+                      <p:childTnLst>
+                        <p:par>
+                          <p:cTn id="24" fill="hold">
+                            <p:stCondLst>
+                              <p:cond delay="0"/>
+                            </p:stCondLst>
+                            <p:childTnLst>
+                              <p:par>
+                                <p:cTn id="25" presetID="9" presetClass="entr" presetSubtype="0" fill="hold" grpId="0" nodeType="clickEffect">
+                                  <p:stCondLst>
+                                    <p:cond delay="0"/>
+                                  </p:stCondLst>
+                                  <p:childTnLst>
+                                    <p:set>
+                                      <p:cBhvr>
+                                        <p:cTn id="26" dur="1" fill="hold">
+                                          <p:stCondLst>
+                                            <p:cond delay="0"/>
+                                          </p:stCondLst>
+                                        </p:cTn>
+                                        <p:tgtEl>
+                                          <p:spTgt spid="35"/>
+                                        </p:tgtEl>
+                                        <p:attrNameLst>
+                                          <p:attrName>style.visibility</p:attrName>
+                                        </p:attrNameLst>
+                                      </p:cBhvr>
+                                      <p:to>
+                                        <p:strVal val="visible"/>
+                                      </p:to>
+                                    </p:set>
+                                    <p:animEffect transition="in" filter="dissolve">
+                                      <p:cBhvr>
+                                        <p:cTn id="27" dur="500"/>
+                                        <p:tgtEl>
+                                          <p:spTgt spid="35"/>
+                                        </p:tgtEl>
+                                      </p:cBhvr>
+                                    </p:animEffect>
+                                  </p:childTnLst>
+                                </p:cTn>
+                              </p:par>
+                            </p:childTnLst>
+                          </p:cTn>
+                        </p:par>
+                      </p:childTnLst>
+                    </p:cTn>
+                  </p:par>
+                  <p:par>
+                    <p:cTn id="28" fill="hold">
+                      <p:stCondLst>
+                        <p:cond delay="indefinite"/>
+                      </p:stCondLst>
+                      <p:childTnLst>
+                        <p:par>
+                          <p:cTn id="29" fill="hold">
+                            <p:stCondLst>
+                              <p:cond delay="0"/>
+                            </p:stCondLst>
+                            <p:childTnLst>
+                              <p:par>
+                                <p:cTn id="30" presetID="9" presetClass="entr" presetSubtype="0" fill="hold" grpId="0" nodeType="clickEffect">
+                                  <p:stCondLst>
+                                    <p:cond delay="0"/>
+                                  </p:stCondLst>
+                                  <p:childTnLst>
+                                    <p:set>
+                                      <p:cBhvr>
+                                        <p:cTn id="31" dur="1" fill="hold">
+                                          <p:stCondLst>
+                                            <p:cond delay="0"/>
+                                          </p:stCondLst>
+                                        </p:cTn>
+                                        <p:tgtEl>
+                                          <p:spTgt spid="41"/>
+                                        </p:tgtEl>
+                                        <p:attrNameLst>
+                                          <p:attrName>style.visibility</p:attrName>
+                                        </p:attrNameLst>
+                                      </p:cBhvr>
+                                      <p:to>
+                                        <p:strVal val="visible"/>
+                                      </p:to>
+                                    </p:set>
+                                    <p:animEffect transition="in" filter="dissolve">
+                                      <p:cBhvr>
+                                        <p:cTn id="32" dur="500"/>
+                                        <p:tgtEl>
+                                          <p:spTgt spid="41"/>
+                                        </p:tgtEl>
+                                      </p:cBhvr>
+                                    </p:animEffect>
+                                  </p:childTnLst>
+                                </p:cTn>
+                              </p:par>
+                            </p:childTnLst>
+                          </p:cTn>
+                        </p:par>
+                      </p:childTnLst>
+                    </p:cTn>
+                  </p:par>
+                </p:childTnLst>
+              </p:cTn>
+              <p:prevCondLst>
+                <p:cond evt="onPrev" delay="0">
+                  <p:tgtEl>
+                    <p:sldTgt/>
+                  </p:tgtEl>
+                </p:cond>
+              </p:prevCondLst>
+              <p:nextCondLst>
+                <p:cond evt="onNext" delay="0">
+                  <p:tgtEl>
+                    <p:sldTgt/>
+                  </p:tgtEl>
+                </p:cond>
+              </p:nextCondLst>
+            </p:seq>
+          </p:childTnLst>
+        </p:cTn>
       </p:par>
     </p:tnLst>
+    <p:bldLst>
+      <p:bldP spid="35" grpId="0"/>
+      <p:bldP spid="41" grpId="0"/>
+    </p:bldLst>
   </p:timing>
 </p:sld>
 </file>
@@ -11411,8 +11945,8 @@
         </p:nvSpPr>
         <p:spPr>
           <a:xfrm>
-            <a:off x="607808" y="1437261"/>
-            <a:ext cx="7704487" cy="1747108"/>
+            <a:off x="871436" y="1420874"/>
+            <a:ext cx="7502370" cy="1941451"/>
           </a:xfrm>
           <a:ln w="25400">
             <a:noFill/>
@@ -11429,11 +11963,15 @@
                   <a:srgbClr val="0000FF"/>
                 </a:solidFill>
               </a:rPr>
-              <a:t>  A</a:t>
+              <a:t>A</a:t>
             </a:r>
             <a:r>
               <a:rPr lang="en-US" sz="4800" dirty="0" smtClean="0"/>
-              <a:t> is </a:t>
+              <a:t> </a:t>
+            </a:r>
+            <a:r>
+              <a:rPr lang="en-US" sz="4800" dirty="0" smtClean="0"/>
+              <a:t>is </a:t>
             </a:r>
             <a:r>
               <a:rPr lang="en-US" sz="4800" i="1" dirty="0" smtClean="0"/>
@@ -11449,7 +11987,17 @@
             </a:r>
             <a:r>
               <a:rPr lang="en-US" sz="4800" dirty="0" smtClean="0"/>
-              <a:t> can be listed  </a:t>
+              <a:t> can </a:t>
+            </a:r>
+            <a:r>
+              <a:rPr lang="en-US" sz="4800" dirty="0" smtClean="0"/>
+              <a:t>be</a:t>
+            </a:r>
+          </a:p>
+          <a:p>
+            <a:r>
+              <a:rPr lang="en-US" sz="4800" dirty="0" smtClean="0"/>
+              <a:t>listed  </a:t>
             </a:r>
             <a:r>
               <a:rPr lang="en-US" sz="4800" dirty="0" smtClean="0">
@@ -11489,7 +12037,11 @@
             </a:r>
             <a:r>
               <a:rPr lang="en-US" sz="4800" dirty="0" smtClean="0"/>
-              <a:t>,….  </a:t>
+              <a:t>,…</a:t>
+            </a:r>
+            <a:r>
+              <a:rPr lang="en-US" sz="4800" dirty="0" smtClean="0"/>
+              <a:t>.</a:t>
             </a:r>
           </a:p>
         </p:txBody>
@@ -11679,8 +12231,8 @@
         </p:nvSpPr>
         <p:spPr>
           <a:xfrm>
-            <a:off x="1107582" y="3051680"/>
-            <a:ext cx="6943023" cy="830997"/>
+            <a:off x="1871427" y="3231939"/>
+            <a:ext cx="5372070" cy="923330"/>
           </a:xfrm>
           <a:prstGeom prst="rect">
             <a:avLst/>
@@ -11701,63 +12253,253 @@
               <a:t> </a:t>
             </a:r>
             <a:r>
-              <a:rPr lang="en-US" sz="4800" dirty="0" smtClean="0">
+              <a:rPr lang="en-US" sz="5400" dirty="0" smtClean="0">
                 <a:latin typeface="Comic Sans MS"/>
                 <a:cs typeface="Comic Sans MS"/>
               </a:rPr>
-              <a:t>same as </a:t>
-            </a:r>
-            <a:r>
-              <a:rPr lang="en-US" sz="4800" dirty="0" err="1" smtClean="0">
+              <a:t>same </a:t>
+            </a:r>
+            <a:r>
+              <a:rPr lang="en-US" sz="5400" dirty="0" smtClean="0">
                 <a:latin typeface="Comic Sans MS"/>
                 <a:cs typeface="Comic Sans MS"/>
               </a:rPr>
-              <a:t>surj</a:t>
-            </a:r>
-            <a:r>
-              <a:rPr lang="en-US" sz="4800" dirty="0" smtClean="0">
+              <a:t>as </a:t>
+            </a:r>
+            <a:r>
+              <a:rPr lang="en-US" sz="5400" b="1" dirty="0" smtClean="0">
+                <a:solidFill>
+                  <a:srgbClr val="0000FF"/>
+                </a:solidFill>
                 <a:latin typeface="Comic Sans MS"/>
                 <a:cs typeface="Comic Sans MS"/>
+                <a:sym typeface="Euclid Math Two"/>
+              </a:rPr>
+              <a:t></a:t>
+            </a:r>
+            <a:r>
+              <a:rPr lang="en-US" sz="5400" dirty="0" smtClean="0">
+                <a:solidFill>
+                  <a:srgbClr val="0000FF"/>
+                </a:solidFill>
+                <a:latin typeface="Comic Sans MS"/>
+                <a:cs typeface="Comic Sans MS"/>
+                <a:sym typeface="Euclid Symbol"/>
               </a:rPr>
               <a:t> </a:t>
             </a:r>
             <a:r>
-              <a:rPr lang="en-US" sz="4800" dirty="0" err="1" smtClean="0">
+              <a:rPr lang="en-US" sz="5400" dirty="0" err="1" smtClean="0">
+                <a:solidFill>
+                  <a:srgbClr val="0000FF"/>
+                </a:solidFill>
                 <a:latin typeface="Comic Sans MS"/>
                 <a:cs typeface="Comic Sans MS"/>
-              </a:rPr>
-              <a:t>fcn</a:t>
-            </a:r>
-            <a:r>
-              <a:rPr lang="en-US" sz="4800" dirty="0" smtClean="0">
+                <a:sym typeface="Euclid Symbol"/>
+              </a:rPr>
+              <a:t>bij</a:t>
+            </a:r>
+            <a:r>
+              <a:rPr lang="en-US" sz="5400" dirty="0" smtClean="0">
+                <a:solidFill>
+                  <a:srgbClr val="0000FF"/>
+                </a:solidFill>
                 <a:latin typeface="Comic Sans MS"/>
                 <a:cs typeface="Comic Sans MS"/>
-              </a:rPr>
-              <a:t>: </a:t>
-            </a:r>
-            <a:r>
-              <a:rPr lang="en-US" sz="4800" b="1" dirty="0" smtClean="0">
-                <a:solidFill>
-                  <a:srgbClr val="0000FF"/>
+                <a:sym typeface="Euclid Symbol"/>
+              </a:rPr>
+              <a:t> A</a:t>
+            </a:r>
+            <a:endParaRPr lang="en-US" sz="5400" dirty="0" smtClean="0">
+              <a:latin typeface="Comic Sans MS"/>
+              <a:cs typeface="Comic Sans MS"/>
+            </a:endParaRPr>
+          </a:p>
+        </p:txBody>
+      </p:sp>
+      <p:sp>
+        <p:nvSpPr>
+          <p:cNvPr id="4" name="TextBox 3"/>
+          <p:cNvSpPr txBox="1"/>
+          <p:nvPr/>
+        </p:nvSpPr>
+        <p:spPr>
+          <a:xfrm>
+            <a:off x="696452" y="3965678"/>
+            <a:ext cx="8095225" cy="1754327"/>
+          </a:xfrm>
+          <a:prstGeom prst="rect">
+            <a:avLst/>
+          </a:prstGeom>
+          <a:noFill/>
+        </p:spPr>
+        <p:txBody>
+          <a:bodyPr wrap="square" rtlCol="0">
+            <a:spAutoFit/>
+          </a:bodyPr>
+          <a:lstStyle/>
+          <a:p>
+            <a:r>
+              <a:rPr lang="en-US" sz="5400" dirty="0" smtClean="0">
+                <a:solidFill>
+                  <a:srgbClr val="000000"/>
                 </a:solidFill>
                 <a:latin typeface="Comic Sans MS"/>
                 <a:cs typeface="Comic Sans MS"/>
-                <a:sym typeface="Euclid Math Two"/>
-              </a:rPr>
-              <a:t></a:t>
-            </a:r>
-            <a:r>
-              <a:rPr lang="en-US" sz="4800" dirty="0" smtClean="0">
-                <a:solidFill>
-                  <a:srgbClr val="0000FF"/>
+              </a:rPr>
+              <a:t>so </a:t>
+            </a:r>
+            <a:r>
+              <a:rPr lang="en-US" sz="5400" b="1" dirty="0" smtClean="0">
+                <a:solidFill>
+                  <a:srgbClr val="0000FF"/>
+                </a:solidFill>
+                <a:sym typeface="Euclid Math Two" pitchFamily="18" charset="2"/>
+              </a:rPr>
+              <a:t></a:t>
+            </a:r>
+            <a:r>
+              <a:rPr lang="en-US" sz="5400" b="1" dirty="0" smtClean="0">
+                <a:solidFill>
+                  <a:srgbClr val="000000"/>
+                </a:solidFill>
+                <a:sym typeface="Euclid Math Two" pitchFamily="18" charset="2"/>
+              </a:rPr>
+              <a:t>,</a:t>
+            </a:r>
+            <a:r>
+              <a:rPr lang="en-US" sz="5400" b="1" dirty="0" smtClean="0">
+                <a:solidFill>
+                  <a:srgbClr val="0000FF"/>
+                </a:solidFill>
+                <a:sym typeface="Euclid Math Two" pitchFamily="18" charset="2"/>
+              </a:rPr>
+              <a:t> </a:t>
+            </a:r>
+            <a:r>
+              <a:rPr lang="en-US" sz="5400" b="1" baseline="30000" dirty="0" smtClean="0">
+                <a:solidFill>
+                  <a:srgbClr val="0000FF"/>
+                </a:solidFill>
+                <a:sym typeface="Euclid Math Two" pitchFamily="18" charset="2"/>
+              </a:rPr>
+              <a:t>+</a:t>
+            </a:r>
+            <a:r>
+              <a:rPr lang="en-US" sz="5400" b="1" dirty="0">
+                <a:solidFill>
+                  <a:srgbClr val="0000FF"/>
+                </a:solidFill>
+                <a:sym typeface="Euclid Math Two" pitchFamily="18" charset="2"/>
+              </a:rPr>
+              <a:t> </a:t>
+            </a:r>
+            <a:r>
+              <a:rPr lang="en-US" sz="5400" dirty="0" smtClean="0">
+                <a:solidFill>
+                  <a:srgbClr val="000000"/>
                 </a:solidFill>
                 <a:latin typeface="Comic Sans MS"/>
                 <a:cs typeface="Comic Sans MS"/>
-                <a:sym typeface="Euclid Symbol"/>
-              </a:rPr>
-              <a:t>→A</a:t>
-            </a:r>
-            <a:endParaRPr lang="en-US" sz="4800" dirty="0" smtClean="0">
+                <a:sym typeface="Euclid Math Two" pitchFamily="18" charset="2"/>
+              </a:rPr>
+              <a:t>countable, </a:t>
+            </a:r>
+            <a:r>
+              <a:rPr lang="en-US" sz="5400" dirty="0" smtClean="0">
+                <a:solidFill>
+                  <a:srgbClr val="000000"/>
+                </a:solidFill>
+                <a:latin typeface="Comic Sans MS"/>
+                <a:cs typeface="Comic Sans MS"/>
+                <a:sym typeface="Euclid Math Two" pitchFamily="18" charset="2"/>
+              </a:rPr>
+              <a:t>even  </a:t>
+            </a:r>
+          </a:p>
+          <a:p>
+            <a:r>
+              <a:rPr lang="en-US" sz="5400" b="1" dirty="0" smtClean="0">
+                <a:solidFill>
+                  <a:srgbClr val="0000FF"/>
+                </a:solidFill>
+                <a:sym typeface="Euclid Math Two" pitchFamily="18" charset="2"/>
+              </a:rPr>
+              <a:t></a:t>
+            </a:r>
+            <a:r>
+              <a:rPr lang="en-US" sz="5400" b="1" baseline="30000" dirty="0" smtClean="0">
+                <a:solidFill>
+                  <a:srgbClr val="0000FF"/>
+                </a:solidFill>
+                <a:sym typeface="Euclid Math Two" pitchFamily="18" charset="2"/>
+              </a:rPr>
+              <a:t>+ </a:t>
+            </a:r>
+            <a:r>
+              <a:rPr lang="en-US" sz="5400" b="1" dirty="0" smtClean="0">
+                <a:solidFill>
+                  <a:srgbClr val="0000FF"/>
+                </a:solidFill>
+                <a:sym typeface="Euclid Math Two" pitchFamily="18" charset="2"/>
+              </a:rPr>
+              <a:t>× </a:t>
+            </a:r>
+            <a:r>
+              <a:rPr lang="en-US" sz="5400" b="1" baseline="30000" dirty="0" smtClean="0">
+                <a:solidFill>
+                  <a:srgbClr val="0000FF"/>
+                </a:solidFill>
+                <a:sym typeface="Euclid Math Two" pitchFamily="18" charset="2"/>
+              </a:rPr>
+              <a:t>+ </a:t>
+            </a:r>
+            <a:r>
+              <a:rPr lang="en-US" sz="5400" b="1" dirty="0" smtClean="0">
+                <a:solidFill>
+                  <a:srgbClr val="0000FF"/>
+                </a:solidFill>
+                <a:sym typeface="Euclid Math Two" pitchFamily="18" charset="2"/>
+              </a:rPr>
+              <a:t> </a:t>
+            </a:r>
+            <a:r>
+              <a:rPr lang="en-US" sz="5400" dirty="0" smtClean="0">
+                <a:solidFill>
+                  <a:srgbClr val="000000"/>
+                </a:solidFill>
+                <a:latin typeface="Comic Sans MS"/>
+                <a:cs typeface="Comic Sans MS"/>
+                <a:sym typeface="Euclid Math Two" pitchFamily="18" charset="2"/>
+              </a:rPr>
+              <a:t>(class </a:t>
+            </a:r>
+            <a:r>
+              <a:rPr lang="en-US" sz="5400" dirty="0" err="1" smtClean="0">
+                <a:solidFill>
+                  <a:srgbClr val="000000"/>
+                </a:solidFill>
+                <a:latin typeface="Comic Sans MS"/>
+                <a:cs typeface="Comic Sans MS"/>
+                <a:sym typeface="Euclid Math Two" pitchFamily="18" charset="2"/>
+              </a:rPr>
+              <a:t>prob</a:t>
+            </a:r>
+            <a:r>
+              <a:rPr lang="en-US" sz="5400" dirty="0" smtClean="0">
+                <a:solidFill>
+                  <a:srgbClr val="000000"/>
+                </a:solidFill>
+                <a:latin typeface="Comic Sans MS"/>
+                <a:cs typeface="Comic Sans MS"/>
+                <a:sym typeface="Euclid Math Two" pitchFamily="18" charset="2"/>
+              </a:rPr>
+              <a:t>)</a:t>
+            </a:r>
+            <a:endParaRPr lang="en-US" sz="5400" dirty="0" smtClean="0">
+              <a:solidFill>
+                <a:srgbClr val="000000"/>
+              </a:solidFill>
               <a:latin typeface="Comic Sans MS"/>
               <a:cs typeface="Comic Sans MS"/>
             </a:endParaRPr>
@@ -11842,7 +12584,7 @@
                             </p:stCondLst>
                             <p:childTnLst>
                               <p:par>
-                                <p:cTn id="9" presetID="10" presetClass="entr" presetSubtype="0" fill="hold" grpId="0" nodeType="clickEffect">
+                                <p:cTn id="9" presetID="1" presetClass="entr" presetSubtype="0" fill="hold" grpId="0" nodeType="clickEffect">
                                   <p:stCondLst>
                                     <p:cond delay="0"/>
                                   </p:stCondLst>
@@ -11850,6 +12592,55 @@
                                     <p:set>
                                       <p:cBhvr>
                                         <p:cTn id="10" dur="1" fill="hold">
+                                          <p:stCondLst>
+                                            <p:cond delay="0"/>
+                                          </p:stCondLst>
+                                        </p:cTn>
+                                        <p:tgtEl>
+                                          <p:spTgt spid="3">
+                                            <p:txEl>
+                                              <p:pRg st="1" end="1"/>
+                                            </p:txEl>
+                                          </p:spTgt>
+                                        </p:tgtEl>
+                                        <p:attrNameLst>
+                                          <p:attrName>style.visibility</p:attrName>
+                                        </p:attrNameLst>
+                                      </p:cBhvr>
+                                      <p:to>
+                                        <p:strVal val="visible"/>
+                                      </p:to>
+                                    </p:set>
+                                  </p:childTnLst>
+                                </p:cTn>
+                              </p:par>
+                            </p:childTnLst>
+                          </p:cTn>
+                        </p:par>
+                      </p:childTnLst>
+                    </p:cTn>
+                  </p:par>
+                  <p:par>
+                    <p:cTn id="11" fill="hold">
+                      <p:stCondLst>
+                        <p:cond delay="indefinite"/>
+                      </p:stCondLst>
+                      <p:childTnLst>
+                        <p:par>
+                          <p:cTn id="12" fill="hold">
+                            <p:stCondLst>
+                              <p:cond delay="0"/>
+                            </p:stCondLst>
+                            <p:childTnLst>
+                              <p:par>
+                                <p:cTn id="13" presetID="10" presetClass="entr" presetSubtype="0" fill="hold" grpId="0" nodeType="clickEffect">
+                                  <p:stCondLst>
+                                    <p:cond delay="0"/>
+                                  </p:stCondLst>
+                                  <p:childTnLst>
+                                    <p:set>
+                                      <p:cBhvr>
+                                        <p:cTn id="14" dur="1" fill="hold">
                                           <p:stCondLst>
                                             <p:cond delay="0"/>
                                           </p:stCondLst>
@@ -11867,9 +12658,131 @@
                                     </p:set>
                                     <p:animEffect transition="in" filter="fade">
                                       <p:cBhvr>
-                                        <p:cTn id="11" dur="500"/>
+                                        <p:cTn id="15" dur="500"/>
                                         <p:tgtEl>
                                           <p:spTgt spid="23"/>
+                                        </p:tgtEl>
+                                      </p:cBhvr>
+                                    </p:animEffect>
+                                  </p:childTnLst>
+                                </p:cTn>
+                              </p:par>
+                            </p:childTnLst>
+                          </p:cTn>
+                        </p:par>
+                      </p:childTnLst>
+                    </p:cTn>
+                  </p:par>
+                  <p:par>
+                    <p:cTn id="16" fill="hold">
+                      <p:stCondLst>
+                        <p:cond delay="indefinite"/>
+                      </p:stCondLst>
+                      <p:childTnLst>
+                        <p:par>
+                          <p:cTn id="17" fill="hold">
+                            <p:stCondLst>
+                              <p:cond delay="0"/>
+                            </p:stCondLst>
+                            <p:childTnLst>
+                              <p:par>
+                                <p:cTn id="18" presetID="9" presetClass="entr" presetSubtype="0" fill="hold" grpId="0" nodeType="clickEffect">
+                                  <p:stCondLst>
+                                    <p:cond delay="0"/>
+                                  </p:stCondLst>
+                                  <p:childTnLst>
+                                    <p:set>
+                                      <p:cBhvr>
+                                        <p:cTn id="19" dur="1" fill="hold">
+                                          <p:stCondLst>
+                                            <p:cond delay="0"/>
+                                          </p:stCondLst>
+                                        </p:cTn>
+                                        <p:tgtEl>
+                                          <p:spTgt spid="4">
+                                            <p:txEl>
+                                              <p:pRg st="0" end="0"/>
+                                            </p:txEl>
+                                          </p:spTgt>
+                                        </p:tgtEl>
+                                        <p:attrNameLst>
+                                          <p:attrName>style.visibility</p:attrName>
+                                        </p:attrNameLst>
+                                      </p:cBhvr>
+                                      <p:to>
+                                        <p:strVal val="visible"/>
+                                      </p:to>
+                                    </p:set>
+                                    <p:animEffect transition="in" filter="dissolve">
+                                      <p:cBhvr>
+                                        <p:cTn id="20" dur="500"/>
+                                        <p:tgtEl>
+                                          <p:spTgt spid="4">
+                                            <p:txEl>
+                                              <p:pRg st="0" end="0"/>
+                                            </p:txEl>
+                                          </p:spTgt>
+                                        </p:tgtEl>
+                                      </p:cBhvr>
+                                    </p:animEffect>
+                                  </p:childTnLst>
+                                </p:cTn>
+                              </p:par>
+                            </p:childTnLst>
+                          </p:cTn>
+                        </p:par>
+                      </p:childTnLst>
+                    </p:cTn>
+                  </p:par>
+                  <p:par>
+                    <p:cTn id="21" fill="hold">
+                      <p:stCondLst>
+                        <p:cond delay="indefinite"/>
+                      </p:stCondLst>
+                      <p:childTnLst>
+                        <p:par>
+                          <p:cTn id="22" fill="hold">
+                            <p:stCondLst>
+                              <p:cond delay="0"/>
+                            </p:stCondLst>
+                            <p:childTnLst>
+                              <p:par>
+                                <p:cTn id="23" presetID="9" presetClass="entr" presetSubtype="0" fill="hold" grpId="0" nodeType="clickEffect">
+                                  <p:stCondLst>
+                                    <p:cond delay="0"/>
+                                  </p:stCondLst>
+                                  <p:childTnLst>
+                                    <p:set>
+                                      <p:cBhvr>
+                                        <p:cTn id="24" dur="1" fill="hold">
+                                          <p:stCondLst>
+                                            <p:cond delay="0"/>
+                                          </p:stCondLst>
+                                        </p:cTn>
+                                        <p:tgtEl>
+                                          <p:spTgt spid="4">
+                                            <p:txEl>
+                                              <p:pRg st="1" end="1"/>
+                                            </p:txEl>
+                                          </p:spTgt>
+                                        </p:tgtEl>
+                                        <p:attrNameLst>
+                                          <p:attrName>style.visibility</p:attrName>
+                                        </p:attrNameLst>
+                                      </p:cBhvr>
+                                      <p:to>
+                                        <p:strVal val="visible"/>
+                                      </p:to>
+                                    </p:set>
+                                    <p:animEffect transition="in" filter="dissolve">
+                                      <p:cBhvr>
+                                        <p:cTn id="25" dur="500"/>
+                                        <p:tgtEl>
+                                          <p:spTgt spid="4">
+                                            <p:txEl>
+                                              <p:pRg st="1" end="1"/>
+                                            </p:txEl>
+                                          </p:spTgt>
                                         </p:tgtEl>
                                       </p:cBhvr>
                                     </p:animEffect>
@@ -11906,6 +12819,7 @@
     <p:bldLst>
       <p:bldP spid="3" grpId="0" build="p"/>
       <p:bldP spid="23" grpId="0"/>
+      <p:bldP spid="4" grpId="0" build="p"/>
     </p:bldLst>
   </p:timing>
 </p:sld>
@@ -12210,7 +13124,7 @@
         </p:nvSpPr>
         <p:spPr>
           <a:xfrm>
-            <a:off x="696299" y="5106219"/>
+            <a:off x="311181" y="5098025"/>
             <a:ext cx="7708092" cy="1323439"/>
           </a:xfrm>
           <a:prstGeom prst="rect">
@@ -12283,7 +13197,17 @@
                 <a:latin typeface="Comic Sans MS"/>
                 <a:cs typeface="Comic Sans MS"/>
               </a:rPr>
-              <a:t>. . .</a:t>
+              <a:t>      . </a:t>
+            </a:r>
+            <a:r>
+              <a:rPr lang="en-US" sz="4000" dirty="0" smtClean="0">
+                <a:solidFill>
+                  <a:srgbClr val="000000"/>
+                </a:solidFill>
+                <a:latin typeface="Comic Sans MS"/>
+                <a:cs typeface="Comic Sans MS"/>
+              </a:rPr>
+              <a:t>. .</a:t>
             </a:r>
           </a:p>
         </p:txBody>
@@ -14228,21 +15152,30 @@
                             </p:childTnLst>
                           </p:cTn>
                         </p:par>
+                      </p:childTnLst>
+                    </p:cTn>
+                  </p:par>
+                  <p:par>
+                    <p:cTn id="12" fill="hold">
+                      <p:stCondLst>
+                        <p:cond delay="indefinite"/>
+                      </p:stCondLst>
+                      <p:childTnLst>
                         <p:par>
-                          <p:cTn id="12" fill="hold">
+                          <p:cTn id="13" fill="hold">
                             <p:stCondLst>
-                              <p:cond delay="500"/>
+                              <p:cond delay="0"/>
                             </p:stCondLst>
                             <p:childTnLst>
                               <p:par>
-                                <p:cTn id="13" presetID="22" presetClass="entr" presetSubtype="8" fill="hold" nodeType="afterEffect">
+                                <p:cTn id="14" presetID="22" presetClass="entr" presetSubtype="8" fill="hold" nodeType="clickEffect">
                                   <p:stCondLst>
                                     <p:cond delay="0"/>
                                   </p:stCondLst>
                                   <p:childTnLst>
                                     <p:set>
                                       <p:cBhvr>
-                                        <p:cTn id="14" dur="1" fill="hold">
+                                        <p:cTn id="15" dur="1" fill="hold">
                                           <p:stCondLst>
                                             <p:cond delay="0"/>
                                           </p:stCondLst>
@@ -14264,7 +15197,7 @@
                                     </p:set>
                                     <p:animEffect transition="in" filter="wipe(left)">
                                       <p:cBhvr>
-                                        <p:cTn id="15" dur="500"/>
+                                        <p:cTn id="16" dur="500"/>
                                         <p:tgtEl>
                                           <p:spTgt spid="331781">
                                             <p:txEl>
@@ -15452,20 +16385,61 @@
                 <a:latin typeface="Comic Sans MS"/>
                 <a:cs typeface="Comic Sans MS"/>
               </a:rPr>
-              <a:t>|A</a:t>
-            </a:r>
-            <a:r>
-              <a:rPr lang="en-US" sz="7200" baseline="30000" dirty="0" smtClean="0">
-                <a:solidFill>
-                  <a:srgbClr val="0000FF"/>
-                </a:solidFill>
-                <a:latin typeface="Comic Sans MS" pitchFamily="66" charset="0"/>
-                <a:cs typeface="Comic Sans MS"/>
-              </a:rPr>
-              <a:t>|</a:t>
+              <a:t>n</a:t>
             </a:r>
             <a:endParaRPr lang="en-US" sz="7200" i="1" baseline="30000" dirty="0">
               <a:latin typeface="Comic Sans MS" pitchFamily="66" charset="0"/>
+              <a:cs typeface="Comic Sans MS"/>
+            </a:endParaRPr>
+          </a:p>
+        </p:txBody>
+      </p:sp>
+      <p:sp useBgFill="1">
+        <p:nvSpPr>
+          <p:cNvPr id="2" name="TextBox 1"/>
+          <p:cNvSpPr txBox="1"/>
+          <p:nvPr/>
+        </p:nvSpPr>
+        <p:spPr>
+          <a:xfrm>
+            <a:off x="7021871" y="4416345"/>
+            <a:ext cx="1153681" cy="830997"/>
+          </a:xfrm>
+          <a:prstGeom prst="rect">
+            <a:avLst/>
+          </a:prstGeom>
+        </p:spPr>
+        <p:txBody>
+          <a:bodyPr wrap="none" rtlCol="0">
+            <a:spAutoFit/>
+          </a:bodyPr>
+          <a:lstStyle/>
+          <a:p>
+            <a:r>
+              <a:rPr lang="en-US" sz="7200" baseline="30000" dirty="0">
+                <a:solidFill>
+                  <a:srgbClr val="0000FF"/>
+                </a:solidFill>
+                <a:latin typeface="Comic Sans MS"/>
+                <a:cs typeface="Comic Sans MS"/>
+              </a:rPr>
+              <a:t>|A</a:t>
+            </a:r>
+            <a:r>
+              <a:rPr lang="en-US" sz="7200" baseline="30000" dirty="0">
+                <a:solidFill>
+                  <a:srgbClr val="0000FF"/>
+                </a:solidFill>
+                <a:latin typeface="Comic Sans MS" pitchFamily="66" charset="0"/>
+                <a:cs typeface="Comic Sans MS"/>
+              </a:rPr>
+              <a:t>|</a:t>
+            </a:r>
+            <a:endParaRPr lang="en-US" sz="5400" dirty="0" smtClean="0">
+              <a:solidFill>
+                <a:srgbClr val="0000FF"/>
+              </a:solidFill>
+              <a:latin typeface="Comic Sans MS"/>
               <a:cs typeface="Comic Sans MS"/>
             </a:endParaRPr>
           </a:p>
@@ -15600,6 +16574,97 @@
                       </p:childTnLst>
                     </p:cTn>
                   </p:par>
+                  <p:par>
+                    <p:cTn id="12" fill="hold">
+                      <p:stCondLst>
+                        <p:cond delay="indefinite"/>
+                      </p:stCondLst>
+                      <p:childTnLst>
+                        <p:par>
+                          <p:cTn id="13" fill="hold">
+                            <p:stCondLst>
+                              <p:cond delay="0"/>
+                            </p:stCondLst>
+                            <p:childTnLst>
+                              <p:par>
+                                <p:cTn id="14" presetID="2" presetClass="entr" presetSubtype="2" fill="hold" grpId="0" nodeType="clickEffect">
+                                  <p:stCondLst>
+                                    <p:cond delay="0"/>
+                                  </p:stCondLst>
+                                  <p:childTnLst>
+                                    <p:set>
+                                      <p:cBhvr>
+                                        <p:cTn id="15" dur="1" fill="hold">
+                                          <p:stCondLst>
+                                            <p:cond delay="0"/>
+                                          </p:stCondLst>
+                                        </p:cTn>
+                                        <p:tgtEl>
+                                          <p:spTgt spid="2"/>
+                                        </p:tgtEl>
+                                        <p:attrNameLst>
+                                          <p:attrName>style.visibility</p:attrName>
+                                        </p:attrNameLst>
+                                      </p:cBhvr>
+                                      <p:to>
+                                        <p:strVal val="visible"/>
+                                      </p:to>
+                                    </p:set>
+                                    <p:anim calcmode="lin" valueType="num">
+                                      <p:cBhvr additive="base">
+                                        <p:cTn id="16" dur="500" fill="hold"/>
+                                        <p:tgtEl>
+                                          <p:spTgt spid="2"/>
+                                        </p:tgtEl>
+                                        <p:attrNameLst>
+                                          <p:attrName>ppt_x</p:attrName>
+                                        </p:attrNameLst>
+                                      </p:cBhvr>
+                                      <p:tavLst>
+                                        <p:tav tm="0">
+                                          <p:val>
+                                            <p:strVal val="1+#ppt_w/2"/>
+                                          </p:val>
+                                        </p:tav>
+                                        <p:tav tm="100000">
+                                          <p:val>
+                                            <p:strVal val="#ppt_x"/>
+                                          </p:val>
+                                        </p:tav>
+                                      </p:tavLst>
+                                    </p:anim>
+                                    <p:anim calcmode="lin" valueType="num">
+                                      <p:cBhvr additive="base">
+                                        <p:cTn id="17" dur="500" fill="hold"/>
+                                        <p:tgtEl>
+                                          <p:spTgt spid="2"/>
+                                        </p:tgtEl>
+                                        <p:attrNameLst>
+                                          <p:attrName>ppt_y</p:attrName>
+                                        </p:attrNameLst>
+                                      </p:cBhvr>
+                                      <p:tavLst>
+                                        <p:tav tm="0">
+                                          <p:val>
+                                            <p:strVal val="#ppt_y"/>
+                                          </p:val>
+                                        </p:tav>
+                                        <p:tav tm="100000">
+                                          <p:val>
+                                            <p:strVal val="#ppt_y"/>
+                                          </p:val>
+                                        </p:tav>
+                                      </p:tavLst>
+                                    </p:anim>
+                                  </p:childTnLst>
+                                </p:cTn>
+                              </p:par>
+                            </p:childTnLst>
+                          </p:cTn>
+                        </p:par>
+                      </p:childTnLst>
+                    </p:cTn>
+                  </p:par>
                 </p:childTnLst>
               </p:cTn>
               <p:prevCondLst>
@@ -15621,6 +16686,9 @@
         </p:cTn>
       </p:par>
     </p:tnLst>
+    <p:bldLst>
+      <p:bldP spid="2" grpId="0" animBg="1"/>
+    </p:bldLst>
   </p:timing>
 </p:sld>
 </file>
@@ -15748,6 +16816,14 @@
           <a:lstStyle/>
           <a:p>
             <a:r>
+              <a:rPr lang="en-US" sz="4400" dirty="0" smtClean="0">
+                <a:solidFill>
+                  <a:srgbClr val="0000FF"/>
+                </a:solidFill>
+              </a:rPr>
+              <a:t>function &amp; </a:t>
+            </a:r>
+            <a:r>
               <a:rPr lang="en-US" sz="4400" dirty="0" err="1" smtClean="0">
                 <a:solidFill>
                   <a:srgbClr val="0000FF"/>
@@ -15762,30 +16838,6 @@
                 </a:solidFill>
               </a:rPr>
               <a:t> </a:t>
-            </a:r>
-            <a:r>
-              <a:rPr lang="en-US" sz="4400" dirty="0" smtClean="0">
-                <a:solidFill>
-                  <a:srgbClr val="7030A0"/>
-                </a:solidFill>
-              </a:rPr>
-              <a:t>&amp;</a:t>
-            </a:r>
-            <a:r>
-              <a:rPr lang="en-US" sz="4400" dirty="0" smtClean="0">
-                <a:solidFill>
-                  <a:schemeClr val="tx1"/>
-                </a:solidFill>
-              </a:rPr>
-              <a:t> </a:t>
-            </a:r>
-            <a:r>
-              <a:rPr lang="en-US" sz="4400" dirty="0" smtClean="0">
-                <a:solidFill>
-                  <a:srgbClr val="0000FF"/>
-                </a:solidFill>
-              </a:rPr>
-              <a:t>function</a:t>
             </a:r>
             <a:endParaRPr lang="en-US" sz="4400" dirty="0">
               <a:solidFill>
@@ -16825,9 +17877,142 @@
   <p:timing>
     <p:tnLst>
       <p:par>
-        <p:cTn xmlns:p14="http://schemas.microsoft.com/office/powerpoint/2010/main" id="1" dur="indefinite" restart="never" nodeType="tmRoot"/>
+        <p:cTn xmlns:p14="http://schemas.microsoft.com/office/powerpoint/2010/main" id="1" dur="indefinite" restart="never" nodeType="tmRoot">
+          <p:childTnLst>
+            <p:seq concurrent="1" nextAc="seek">
+              <p:cTn id="2" dur="indefinite" nodeType="mainSeq">
+                <p:childTnLst>
+                  <p:par>
+                    <p:cTn id="3" fill="hold">
+                      <p:stCondLst>
+                        <p:cond delay="indefinite"/>
+                      </p:stCondLst>
+                      <p:childTnLst>
+                        <p:par>
+                          <p:cTn id="4" fill="hold">
+                            <p:stCondLst>
+                              <p:cond delay="0"/>
+                            </p:stCondLst>
+                            <p:childTnLst>
+                              <p:par>
+                                <p:cTn id="5" presetID="9" presetClass="entr" presetSubtype="0" fill="hold" grpId="0" nodeType="clickEffect">
+                                  <p:stCondLst>
+                                    <p:cond delay="0"/>
+                                  </p:stCondLst>
+                                  <p:childTnLst>
+                                    <p:set>
+                                      <p:cBhvr>
+                                        <p:cTn id="6" dur="1" fill="hold">
+                                          <p:stCondLst>
+                                            <p:cond delay="0"/>
+                                          </p:stCondLst>
+                                        </p:cTn>
+                                        <p:tgtEl>
+                                          <p:spTgt spid="34"/>
+                                        </p:tgtEl>
+                                        <p:attrNameLst>
+                                          <p:attrName>style.visibility</p:attrName>
+                                        </p:attrNameLst>
+                                      </p:cBhvr>
+                                      <p:to>
+                                        <p:strVal val="visible"/>
+                                      </p:to>
+                                    </p:set>
+                                    <p:animEffect transition="in" filter="dissolve">
+                                      <p:cBhvr>
+                                        <p:cTn id="7" dur="500"/>
+                                        <p:tgtEl>
+                                          <p:spTgt spid="34"/>
+                                        </p:tgtEl>
+                                      </p:cBhvr>
+                                    </p:animEffect>
+                                  </p:childTnLst>
+                                </p:cTn>
+                              </p:par>
+                            </p:childTnLst>
+                          </p:cTn>
+                        </p:par>
+                      </p:childTnLst>
+                    </p:cTn>
+                  </p:par>
+                  <p:par>
+                    <p:cTn id="8" fill="hold">
+                      <p:stCondLst>
+                        <p:cond delay="indefinite"/>
+                      </p:stCondLst>
+                      <p:childTnLst>
+                        <p:par>
+                          <p:cTn id="9" fill="hold">
+                            <p:stCondLst>
+                              <p:cond delay="0"/>
+                            </p:stCondLst>
+                            <p:childTnLst>
+                              <p:par>
+                                <p:cTn id="10" presetID="9" presetClass="entr" presetSubtype="0" fill="hold" grpId="0" nodeType="clickEffect">
+                                  <p:stCondLst>
+                                    <p:cond delay="0"/>
+                                  </p:stCondLst>
+                                  <p:childTnLst>
+                                    <p:set>
+                                      <p:cBhvr>
+                                        <p:cTn id="11" dur="1" fill="hold">
+                                          <p:stCondLst>
+                                            <p:cond delay="0"/>
+                                          </p:stCondLst>
+                                        </p:cTn>
+                                        <p:tgtEl>
+                                          <p:spTgt spid="155680"/>
+                                        </p:tgtEl>
+                                        <p:attrNameLst>
+                                          <p:attrName>style.visibility</p:attrName>
+                                        </p:attrNameLst>
+                                      </p:cBhvr>
+                                      <p:to>
+                                        <p:strVal val="visible"/>
+                                      </p:to>
+                                    </p:set>
+                                    <p:animEffect transition="in" filter="dissolve">
+                                      <p:cBhvr>
+                                        <p:cTn id="12" dur="500"/>
+                                        <p:tgtEl>
+                                          <p:spTgt spid="155680"/>
+                                        </p:tgtEl>
+                                      </p:cBhvr>
+                                    </p:animEffect>
+                                  </p:childTnLst>
+                                </p:cTn>
+                              </p:par>
+                            </p:childTnLst>
+                          </p:cTn>
+                        </p:par>
+                      </p:childTnLst>
+                    </p:cTn>
+                  </p:par>
+                </p:childTnLst>
+              </p:cTn>
+              <p:prevCondLst>
+                <p:cond evt="onPrev" delay="0">
+                  <p:tgtEl>
+                    <p:sldTgt/>
+                  </p:tgtEl>
+                </p:cond>
+              </p:prevCondLst>
+              <p:nextCondLst>
+                <p:cond evt="onNext" delay="0">
+                  <p:tgtEl>
+                    <p:sldTgt/>
+                  </p:tgtEl>
+                </p:cond>
+              </p:nextCondLst>
+            </p:seq>
+          </p:childTnLst>
+        </p:cTn>
       </p:par>
     </p:tnLst>
+    <p:bldLst>
+      <p:bldP spid="155680" grpId="0"/>
+      <p:bldP spid="34" grpId="0"/>
+    </p:bldLst>
   </p:timing>
 </p:sld>
 </file>
@@ -17102,7 +18287,7 @@
           <a:graphicData uri="http://schemas.openxmlformats.org/presentationml/2006/ole">
             <mc:AlternateContent xmlns:mc="http://schemas.openxmlformats.org/markup-compatibility/2006">
               <mc:Choice xmlns:v="urn:schemas-microsoft-com:vml" Requires="v">
-                <p:oleObj spid="_x0000_s18471" name="Equation" r:id="rId4" imgW="838200" imgH="203200" progId="Equation.DSMT4">
+                <p:oleObj spid="_x0000_s18483" name="Equation" r:id="rId4" imgW="838200" imgH="203200" progId="Equation.DSMT4">
                   <p:embed/>
                 </p:oleObj>
               </mc:Choice>
@@ -17165,7 +18350,7 @@
           <a:graphicData uri="http://schemas.openxmlformats.org/presentationml/2006/ole">
             <mc:AlternateContent xmlns:mc="http://schemas.openxmlformats.org/markup-compatibility/2006">
               <mc:Choice xmlns:v="urn:schemas-microsoft-com:vml" Requires="v">
-                <p:oleObj spid="_x0000_s18472" name="Equation" r:id="rId6" imgW="965200" imgH="203200" progId="Equation.DSMT4">
+                <p:oleObj spid="_x0000_s18484" name="Equation" r:id="rId6" imgW="965200" imgH="203200" progId="Equation.DSMT4">
                   <p:embed/>
                 </p:oleObj>
               </mc:Choice>
